--- a/Project Presentation.pptx
+++ b/Project Presentation.pptx
@@ -5,21 +5,22 @@
     <p:sldMasterId id="2147483660" r:id="rId1"/>
   </p:sldMasterIdLst>
   <p:notesMasterIdLst>
-    <p:notesMasterId r:id="rId14"/>
+    <p:notesMasterId r:id="rId15"/>
   </p:notesMasterIdLst>
   <p:sldIdLst>
     <p:sldId id="256" r:id="rId2"/>
     <p:sldId id="257" r:id="rId3"/>
     <p:sldId id="259" r:id="rId4"/>
     <p:sldId id="258" r:id="rId5"/>
-    <p:sldId id="265" r:id="rId6"/>
-    <p:sldId id="267" r:id="rId7"/>
-    <p:sldId id="263" r:id="rId8"/>
-    <p:sldId id="266" r:id="rId9"/>
-    <p:sldId id="264" r:id="rId10"/>
-    <p:sldId id="260" r:id="rId11"/>
-    <p:sldId id="262" r:id="rId12"/>
-    <p:sldId id="261" r:id="rId13"/>
+    <p:sldId id="263" r:id="rId6"/>
+    <p:sldId id="265" r:id="rId7"/>
+    <p:sldId id="267" r:id="rId8"/>
+    <p:sldId id="268" r:id="rId9"/>
+    <p:sldId id="266" r:id="rId10"/>
+    <p:sldId id="264" r:id="rId11"/>
+    <p:sldId id="260" r:id="rId12"/>
+    <p:sldId id="262" r:id="rId13"/>
+    <p:sldId id="261" r:id="rId14"/>
   </p:sldIdLst>
   <p:sldSz cx="12192000" cy="6858000"/>
   <p:notesSz cx="6858000" cy="9144000"/>
@@ -5382,7 +5383,7 @@
 <dgm:dataModel xmlns:dgm="http://schemas.openxmlformats.org/drawingml/2006/diagram" xmlns:a="http://schemas.openxmlformats.org/drawingml/2006/main">
   <dgm:ptLst>
     <dgm:pt modelId="{4BE97A5E-343F-4B8E-9C8E-71C1AB2EF8EE}" type="doc">
-      <dgm:prSet loTypeId="urn:microsoft.com/office/officeart/2005/8/layout/list1" loCatId="list" qsTypeId="urn:microsoft.com/office/officeart/2005/8/quickstyle/simple1" qsCatId="simple" csTypeId="urn:microsoft.com/office/officeart/2005/8/colors/accent1_2" csCatId="accent1"/>
+      <dgm:prSet loTypeId="urn:microsoft.com/office/officeart/2005/8/layout/list1" loCatId="list" qsTypeId="urn:microsoft.com/office/officeart/2005/8/quickstyle/simple1" qsCatId="simple" csTypeId="urn:microsoft.com/office/officeart/2005/8/colors/accent1_2" csCatId="accent1" phldr="1"/>
       <dgm:spPr/>
       <dgm:t>
         <a:bodyPr/>
@@ -5616,8 +5617,12 @@
         <a:lstStyle/>
         <a:p>
           <a:r>
-            <a:rPr lang="en-US"/>
-            <a:t>Pyw – so that the user will not be notified of its activation</a:t>
+            <a:rPr lang="en-US" dirty="0" err="1"/>
+            <a:t>Pyw</a:t>
+          </a:r>
+          <a:r>
+            <a:rPr lang="en-US" dirty="0"/>
+            <a:t>:  so that the user will not be notified of its activation</a:t>
           </a:r>
         </a:p>
       </dgm:t>
@@ -7946,8 +7951,12 @@
             <a:buChar char="•"/>
           </a:pPr>
           <a:r>
-            <a:rPr lang="en-US" sz="2200" kern="1200"/>
-            <a:t>Pyw – so that the user will not be notified of its activation</a:t>
+            <a:rPr lang="en-US" sz="2200" kern="1200" dirty="0" err="1"/>
+            <a:t>Pyw</a:t>
+          </a:r>
+          <a:r>
+            <a:rPr lang="en-US" sz="2200" kern="1200" dirty="0"/>
+            <a:t>:  so that the user will not be notified of its activation</a:t>
           </a:r>
         </a:p>
         <a:p>
@@ -17328,7 +17337,7 @@
           <a:p>
             <a:fld id="{CE989B39-9896-4416-8F69-B5D2DF855C70}" type="slidenum">
               <a:rPr lang="en-US" smtClean="0"/>
-              <a:t>11</a:t>
+              <a:t>12</a:t>
             </a:fld>
             <a:endParaRPr lang="en-US"/>
           </a:p>
@@ -21356,6 +21365,192 @@
           <p:cNvPr id="2" name="Title 1">
             <a:extLst>
               <a:ext uri="{FF2B5EF4-FFF2-40B4-BE49-F238E27FC236}">
+                <a16:creationId xmlns:a16="http://schemas.microsoft.com/office/drawing/2014/main" id="{59345CD4-5F6C-465E-8589-69A86ACE7A4C}"/>
+              </a:ext>
+            </a:extLst>
+          </p:cNvPr>
+          <p:cNvSpPr>
+            <a:spLocks noGrp="1"/>
+          </p:cNvSpPr>
+          <p:nvPr>
+            <p:ph type="title"/>
+          </p:nvPr>
+        </p:nvSpPr>
+        <p:spPr>
+          <a:xfrm>
+            <a:off x="1069848" y="484632"/>
+            <a:ext cx="10058400" cy="1609344"/>
+          </a:xfrm>
+        </p:spPr>
+        <p:txBody>
+          <a:bodyPr>
+            <a:normAutofit/>
+          </a:bodyPr>
+          <a:lstStyle/>
+          <a:p>
+            <a:r>
+              <a:rPr lang="en-US" dirty="0"/>
+              <a:t>Challenges</a:t>
+            </a:r>
+          </a:p>
+        </p:txBody>
+      </p:sp>
+      <p:sp>
+        <p:nvSpPr>
+          <p:cNvPr id="9" name="Rectangle 8">
+            <a:extLst>
+              <a:ext uri="{FF2B5EF4-FFF2-40B4-BE49-F238E27FC236}">
+                <a16:creationId xmlns:a16="http://schemas.microsoft.com/office/drawing/2014/main" id="{3FD711E9-7F79-40A9-8D9E-4AE293C154A5}"/>
+              </a:ext>
+              <a:ext uri="{C183D7F6-B498-43B3-948B-1728B52AA6E4}">
+                <adec:decorative xmlns:adec="http://schemas.microsoft.com/office/drawing/2017/decorative" val="1"/>
+              </a:ext>
+            </a:extLst>
+          </p:cNvPr>
+          <p:cNvSpPr>
+            <a:spLocks noGrp="1" noRot="1" noChangeAspect="1" noMove="1" noResize="1" noEditPoints="1" noAdjustHandles="1" noChangeArrowheads="1" noChangeShapeType="1" noTextEdit="1"/>
+          </p:cNvSpPr>
+          <p:nvPr>
+            <p:extLst>
+              <p:ext uri="{386F3935-93C4-4BCD-93E2-E3B085C9AB24}">
+                <p16:designElem xmlns:p16="http://schemas.microsoft.com/office/powerpoint/2015/main" val="1"/>
+              </p:ext>
+            </p:extLst>
+          </p:nvPr>
+        </p:nvSpPr>
+        <p:spPr>
+          <a:xfrm>
+            <a:off x="1066800" y="2013293"/>
+            <a:ext cx="10058400" cy="80683"/>
+          </a:xfrm>
+          <a:prstGeom prst="rect">
+            <a:avLst/>
+          </a:prstGeom>
+          <a:blipFill dpi="0" rotWithShape="1">
+            <a:blip r:embed="rId2">
+              <a:alphaModFix amt="85000"/>
+              <a:lum bright="70000" contrast="-70000"/>
+              <a:extLst>
+                <a:ext uri="{BEBA8EAE-BF5A-486C-A8C5-ECC9F3942E4B}">
+                  <a14:imgProps xmlns:a14="http://schemas.microsoft.com/office/drawing/2010/main">
+                    <a14:imgLayer r:embed="rId3">
+                      <a14:imgEffect>
+                        <a14:sharpenSoften amount="61000"/>
+                      </a14:imgEffect>
+                    </a14:imgLayer>
+                  </a14:imgProps>
+                </a:ext>
+                <a:ext uri="{28A0092B-C50C-407E-A947-70E740481C1C}">
+                  <a14:useLocalDpi xmlns:a14="http://schemas.microsoft.com/office/drawing/2010/main" val="0"/>
+                </a:ext>
+              </a:extLst>
+            </a:blip>
+            <a:srcRect/>
+            <a:tile tx="0" ty="-762000" sx="92000" sy="89000" flip="xy" algn="ctr"/>
+          </a:blipFill>
+          <a:ln>
+            <a:noFill/>
+          </a:ln>
+        </p:spPr>
+        <p:style>
+          <a:lnRef idx="2">
+            <a:schemeClr val="accent1">
+              <a:shade val="50000"/>
+            </a:schemeClr>
+          </a:lnRef>
+          <a:fillRef idx="1">
+            <a:schemeClr val="accent1"/>
+          </a:fillRef>
+          <a:effectRef idx="0">
+            <a:schemeClr val="accent1"/>
+          </a:effectRef>
+          <a:fontRef idx="minor">
+            <a:schemeClr val="lt1"/>
+          </a:fontRef>
+        </p:style>
+        <p:txBody>
+          <a:bodyPr rtlCol="0" anchor="ctr"/>
+          <a:lstStyle/>
+          <a:p>
+            <a:pPr algn="ctr"/>
+            <a:endParaRPr lang="en-US"/>
+          </a:p>
+        </p:txBody>
+      </p:sp>
+      <p:graphicFrame>
+        <p:nvGraphicFramePr>
+          <p:cNvPr id="5" name="Content Placeholder 2">
+            <a:extLst>
+              <a:ext uri="{FF2B5EF4-FFF2-40B4-BE49-F238E27FC236}">
+                <a16:creationId xmlns:a16="http://schemas.microsoft.com/office/drawing/2014/main" id="{D96D5538-4A98-488A-9C94-0B61BE77661D}"/>
+              </a:ext>
+            </a:extLst>
+          </p:cNvPr>
+          <p:cNvGraphicFramePr>
+            <a:graphicFrameLocks noGrp="1"/>
+          </p:cNvGraphicFramePr>
+          <p:nvPr>
+            <p:ph idx="1"/>
+            <p:extLst>
+              <p:ext uri="{D42A27DB-BD31-4B8C-83A1-F6EECF244321}">
+                <p14:modId xmlns:p14="http://schemas.microsoft.com/office/powerpoint/2010/main" val="347271836"/>
+              </p:ext>
+            </p:extLst>
+          </p:nvPr>
+        </p:nvGraphicFramePr>
+        <p:xfrm>
+          <a:off x="1069975" y="2385390"/>
+          <a:ext cx="10058400" cy="3617845"/>
+        </p:xfrm>
+        <a:graphic>
+          <a:graphicData uri="http://schemas.openxmlformats.org/drawingml/2006/diagram">
+            <dgm:relIds xmlns:dgm="http://schemas.openxmlformats.org/drawingml/2006/diagram" xmlns:r="http://schemas.openxmlformats.org/officeDocument/2006/relationships" r:dm="rId4" r:lo="rId5" r:qs="rId6" r:cs="rId7"/>
+          </a:graphicData>
+        </a:graphic>
+      </p:graphicFrame>
+    </p:spTree>
+    <p:extLst>
+      <p:ext uri="{BB962C8B-B14F-4D97-AF65-F5344CB8AC3E}">
+        <p14:creationId xmlns:p14="http://schemas.microsoft.com/office/powerpoint/2010/main" val="1359002665"/>
+      </p:ext>
+    </p:extLst>
+  </p:cSld>
+  <p:clrMapOvr>
+    <a:masterClrMapping/>
+  </p:clrMapOvr>
+</p:sld>
+</file>
+
+<file path=ppt/slides/slide11.xml><?xml version="1.0" encoding="utf-8"?>
+<p:sld xmlns:a="http://schemas.openxmlformats.org/drawingml/2006/main" xmlns:r="http://schemas.openxmlformats.org/officeDocument/2006/relationships" xmlns:p="http://schemas.openxmlformats.org/presentationml/2006/main">
+  <p:cSld>
+    <p:bg>
+      <p:bgPr>
+        <a:solidFill>
+          <a:schemeClr val="bg1"/>
+        </a:solidFill>
+        <a:effectLst/>
+      </p:bgPr>
+    </p:bg>
+    <p:spTree>
+      <p:nvGrpSpPr>
+        <p:cNvPr id="1" name=""/>
+        <p:cNvGrpSpPr/>
+        <p:nvPr/>
+      </p:nvGrpSpPr>
+      <p:grpSpPr>
+        <a:xfrm>
+          <a:off x="0" y="0"/>
+          <a:ext cx="0" cy="0"/>
+          <a:chOff x="0" y="0"/>
+          <a:chExt cx="0" cy="0"/>
+        </a:xfrm>
+      </p:grpSpPr>
+      <p:sp>
+        <p:nvSpPr>
+          <p:cNvPr id="2" name="Title 1">
+            <a:extLst>
+              <a:ext uri="{FF2B5EF4-FFF2-40B4-BE49-F238E27FC236}">
                 <a16:creationId xmlns:a16="http://schemas.microsoft.com/office/drawing/2014/main" id="{A31A29B2-38B3-489F-91E1-31D846E4D0AC}"/>
               </a:ext>
             </a:extLst>
@@ -21512,7 +21707,7 @@
 </p:sld>
 </file>
 
-<file path=ppt/slides/slide11.xml><?xml version="1.0" encoding="utf-8"?>
+<file path=ppt/slides/slide12.xml><?xml version="1.0" encoding="utf-8"?>
 <p:sld xmlns:a="http://schemas.openxmlformats.org/drawingml/2006/main" xmlns:r="http://schemas.openxmlformats.org/officeDocument/2006/relationships" xmlns:p="http://schemas.openxmlformats.org/presentationml/2006/main">
   <p:cSld>
     <p:spTree>
@@ -21596,7 +21791,7 @@
 </p:sld>
 </file>
 
-<file path=ppt/slides/slide12.xml><?xml version="1.0" encoding="utf-8"?>
+<file path=ppt/slides/slide13.xml><?xml version="1.0" encoding="utf-8"?>
 <p:sld xmlns:a="http://schemas.openxmlformats.org/drawingml/2006/main" xmlns:r="http://schemas.openxmlformats.org/officeDocument/2006/relationships" xmlns:p="http://schemas.openxmlformats.org/presentationml/2006/main">
   <p:cSld>
     <p:bg>
@@ -22159,7 +22354,7 @@
         <p:spPr>
           <a:xfrm>
             <a:off x="5910901" y="1680001"/>
-            <a:ext cx="5034965" cy="923330"/>
+            <a:ext cx="5034965" cy="646331"/>
           </a:xfrm>
           <a:prstGeom prst="rect">
             <a:avLst/>
@@ -22171,12 +22366,6 @@
             <a:spAutoFit/>
           </a:bodyPr>
           <a:lstStyle/>
-          <a:p>
-            <a:r>
-              <a:rPr lang="en-US" dirty="0"/>
-              <a:t>//List of resources</a:t>
-            </a:r>
-          </a:p>
           <a:p>
             <a:r>
               <a:rPr lang="en-US" dirty="0" err="1"/>
@@ -22725,7 +22914,7 @@
             <p:ph idx="1"/>
             <p:extLst>
               <p:ext uri="{D42A27DB-BD31-4B8C-83A1-F6EECF244321}">
-                <p14:modId xmlns:p14="http://schemas.microsoft.com/office/powerpoint/2010/main" val="1679371074"/>
+                <p14:modId xmlns:p14="http://schemas.microsoft.com/office/powerpoint/2010/main" val="761852900"/>
               </p:ext>
             </p:extLst>
           </p:nvPr>
@@ -22754,265 +22943,6 @@
 </file>
 
 <file path=ppt/slides/slide5.xml><?xml version="1.0" encoding="utf-8"?>
-<p:sld xmlns:a="http://schemas.openxmlformats.org/drawingml/2006/main" xmlns:r="http://schemas.openxmlformats.org/officeDocument/2006/relationships" xmlns:p="http://schemas.openxmlformats.org/presentationml/2006/main">
-  <p:cSld>
-    <p:spTree>
-      <p:nvGrpSpPr>
-        <p:cNvPr id="1" name=""/>
-        <p:cNvGrpSpPr/>
-        <p:nvPr/>
-      </p:nvGrpSpPr>
-      <p:grpSpPr>
-        <a:xfrm>
-          <a:off x="0" y="0"/>
-          <a:ext cx="0" cy="0"/>
-          <a:chOff x="0" y="0"/>
-          <a:chExt cx="0" cy="0"/>
-        </a:xfrm>
-      </p:grpSpPr>
-      <p:sp>
-        <p:nvSpPr>
-          <p:cNvPr id="2" name="Title 1">
-            <a:extLst>
-              <a:ext uri="{FF2B5EF4-FFF2-40B4-BE49-F238E27FC236}">
-                <a16:creationId xmlns:a16="http://schemas.microsoft.com/office/drawing/2014/main" id="{F4A5BA67-3CA1-4A6B-9980-825F9C40C339}"/>
-              </a:ext>
-            </a:extLst>
-          </p:cNvPr>
-          <p:cNvSpPr>
-            <a:spLocks noGrp="1"/>
-          </p:cNvSpPr>
-          <p:nvPr>
-            <p:ph type="title"/>
-          </p:nvPr>
-        </p:nvSpPr>
-        <p:spPr/>
-        <p:txBody>
-          <a:bodyPr/>
-          <a:lstStyle/>
-          <a:p>
-            <a:r>
-              <a:rPr lang="en-US" dirty="0"/>
-              <a:t>Launch.bat</a:t>
-            </a:r>
-          </a:p>
-        </p:txBody>
-      </p:sp>
-      <p:pic>
-        <p:nvPicPr>
-          <p:cNvPr id="5" name="Content Placeholder 4" descr="Text&#10;&#10;Description automatically generated">
-            <a:extLst>
-              <a:ext uri="{FF2B5EF4-FFF2-40B4-BE49-F238E27FC236}">
-                <a16:creationId xmlns:a16="http://schemas.microsoft.com/office/drawing/2014/main" id="{B79C7B3D-A12D-4E99-ADF7-6698A0652440}"/>
-              </a:ext>
-            </a:extLst>
-          </p:cNvPr>
-          <p:cNvPicPr>
-            <a:picLocks noGrp="1" noChangeAspect="1"/>
-          </p:cNvPicPr>
-          <p:nvPr>
-            <p:ph idx="1"/>
-          </p:nvPr>
-        </p:nvPicPr>
-        <p:blipFill>
-          <a:blip r:embed="rId2">
-            <a:extLst>
-              <a:ext uri="{28A0092B-C50C-407E-A947-70E740481C1C}">
-                <a14:useLocalDpi xmlns:a14="http://schemas.microsoft.com/office/drawing/2010/main" val="0"/>
-              </a:ext>
-            </a:extLst>
-          </a:blip>
-          <a:stretch>
-            <a:fillRect/>
-          </a:stretch>
-        </p:blipFill>
-        <p:spPr>
-          <a:xfrm>
-            <a:off x="513360" y="1796769"/>
-            <a:ext cx="10745190" cy="1387625"/>
-          </a:xfrm>
-        </p:spPr>
-      </p:pic>
-      <p:sp>
-        <p:nvSpPr>
-          <p:cNvPr id="6" name="TextBox 5">
-            <a:extLst>
-              <a:ext uri="{FF2B5EF4-FFF2-40B4-BE49-F238E27FC236}">
-                <a16:creationId xmlns:a16="http://schemas.microsoft.com/office/drawing/2014/main" id="{6207D41A-6396-4FFF-9B83-82C6FB2F2872}"/>
-              </a:ext>
-            </a:extLst>
-          </p:cNvPr>
-          <p:cNvSpPr txBox="1"/>
-          <p:nvPr/>
-        </p:nvSpPr>
-        <p:spPr>
-          <a:xfrm>
-            <a:off x="513360" y="3429000"/>
-            <a:ext cx="7785652" cy="1200329"/>
-          </a:xfrm>
-          <a:prstGeom prst="rect">
-            <a:avLst/>
-          </a:prstGeom>
-          <a:noFill/>
-        </p:spPr>
-        <p:txBody>
-          <a:bodyPr wrap="square" rtlCol="0">
-            <a:spAutoFit/>
-          </a:bodyPr>
-          <a:lstStyle/>
-          <a:p>
-            <a:r>
-              <a:rPr lang="en-US" sz="2400" dirty="0"/>
-              <a:t>1: starts the file</a:t>
-            </a:r>
-          </a:p>
-          <a:p>
-            <a:r>
-              <a:rPr lang="en-US" sz="2400" dirty="0"/>
-              <a:t>2:Starts the keylogger in the specified location</a:t>
-            </a:r>
-          </a:p>
-          <a:p>
-            <a:r>
-              <a:rPr lang="en-US" sz="2400" dirty="0"/>
-              <a:t>3: starts the regular Internet Explorer program</a:t>
-            </a:r>
-          </a:p>
-        </p:txBody>
-      </p:sp>
-      <p:sp>
-        <p:nvSpPr>
-          <p:cNvPr id="10" name="TextBox 9">
-            <a:extLst>
-              <a:ext uri="{FF2B5EF4-FFF2-40B4-BE49-F238E27FC236}">
-                <a16:creationId xmlns:a16="http://schemas.microsoft.com/office/drawing/2014/main" id="{0A05B9C7-6916-48D0-BAA4-E70724C04C0F}"/>
-              </a:ext>
-            </a:extLst>
-          </p:cNvPr>
-          <p:cNvSpPr txBox="1"/>
-          <p:nvPr/>
-        </p:nvSpPr>
-        <p:spPr>
-          <a:xfrm>
-            <a:off x="2003806" y="5056094"/>
-            <a:ext cx="8337177" cy="646331"/>
-          </a:xfrm>
-          <a:prstGeom prst="rect">
-            <a:avLst/>
-          </a:prstGeom>
-          <a:noFill/>
-        </p:spPr>
-        <p:txBody>
-          <a:bodyPr wrap="square" rtlCol="0">
-            <a:spAutoFit/>
-          </a:bodyPr>
-          <a:lstStyle/>
-          <a:p>
-            <a:r>
-              <a:rPr lang="en-US" dirty="0"/>
-              <a:t>By changing the Launch options of IE whenever the user clicks on the supplication the keylogger will also be launched</a:t>
-            </a:r>
-          </a:p>
-        </p:txBody>
-      </p:sp>
-    </p:spTree>
-    <p:extLst>
-      <p:ext uri="{BB962C8B-B14F-4D97-AF65-F5344CB8AC3E}">
-        <p14:creationId xmlns:p14="http://schemas.microsoft.com/office/powerpoint/2010/main" val="238076357"/>
-      </p:ext>
-    </p:extLst>
-  </p:cSld>
-  <p:clrMapOvr>
-    <a:masterClrMapping/>
-  </p:clrMapOvr>
-</p:sld>
-</file>
-
-<file path=ppt/slides/slide6.xml><?xml version="1.0" encoding="utf-8"?>
-<p:sld xmlns:a="http://schemas.openxmlformats.org/drawingml/2006/main" xmlns:r="http://schemas.openxmlformats.org/officeDocument/2006/relationships" xmlns:p="http://schemas.openxmlformats.org/presentationml/2006/main">
-  <p:cSld>
-    <p:spTree>
-      <p:nvGrpSpPr>
-        <p:cNvPr id="1" name=""/>
-        <p:cNvGrpSpPr/>
-        <p:nvPr/>
-      </p:nvGrpSpPr>
-      <p:grpSpPr>
-        <a:xfrm>
-          <a:off x="0" y="0"/>
-          <a:ext cx="0" cy="0"/>
-          <a:chOff x="0" y="0"/>
-          <a:chExt cx="0" cy="0"/>
-        </a:xfrm>
-      </p:grpSpPr>
-      <p:sp>
-        <p:nvSpPr>
-          <p:cNvPr id="2" name="Title 1">
-            <a:extLst>
-              <a:ext uri="{FF2B5EF4-FFF2-40B4-BE49-F238E27FC236}">
-                <a16:creationId xmlns:a16="http://schemas.microsoft.com/office/drawing/2014/main" id="{F68A8884-D64F-417A-9EF7-A720FD3F3DE0}"/>
-              </a:ext>
-            </a:extLst>
-          </p:cNvPr>
-          <p:cNvSpPr>
-            <a:spLocks noGrp="1"/>
-          </p:cNvSpPr>
-          <p:nvPr>
-            <p:ph type="title"/>
-          </p:nvPr>
-        </p:nvSpPr>
-        <p:spPr/>
-        <p:txBody>
-          <a:bodyPr/>
-          <a:lstStyle/>
-          <a:p>
-            <a:r>
-              <a:rPr lang="en-US" dirty="0" err="1"/>
-              <a:t>Key_logger.pyw</a:t>
-            </a:r>
-            <a:endParaRPr lang="en-US" dirty="0"/>
-          </a:p>
-        </p:txBody>
-      </p:sp>
-      <p:sp>
-        <p:nvSpPr>
-          <p:cNvPr id="3" name="Content Placeholder 2">
-            <a:extLst>
-              <a:ext uri="{FF2B5EF4-FFF2-40B4-BE49-F238E27FC236}">
-                <a16:creationId xmlns:a16="http://schemas.microsoft.com/office/drawing/2014/main" id="{C2D49DB7-79F1-4CC4-9AD9-EF1DFB4B6F1C}"/>
-              </a:ext>
-            </a:extLst>
-          </p:cNvPr>
-          <p:cNvSpPr>
-            <a:spLocks noGrp="1"/>
-          </p:cNvSpPr>
-          <p:nvPr>
-            <p:ph idx="1"/>
-          </p:nvPr>
-        </p:nvSpPr>
-        <p:spPr/>
-        <p:txBody>
-          <a:bodyPr/>
-          <a:lstStyle/>
-          <a:p>
-            <a:endParaRPr lang="en-US"/>
-          </a:p>
-        </p:txBody>
-      </p:sp>
-    </p:spTree>
-    <p:extLst>
-      <p:ext uri="{BB962C8B-B14F-4D97-AF65-F5344CB8AC3E}">
-        <p14:creationId xmlns:p14="http://schemas.microsoft.com/office/powerpoint/2010/main" val="4067036895"/>
-      </p:ext>
-    </p:extLst>
-  </p:cSld>
-  <p:clrMapOvr>
-    <a:masterClrMapping/>
-  </p:clrMapOvr>
-</p:sld>
-</file>
-
-<file path=ppt/slides/slide7.xml><?xml version="1.0" encoding="utf-8"?>
 <p:sld xmlns:a="http://schemas.openxmlformats.org/drawingml/2006/main" xmlns:r="http://schemas.openxmlformats.org/officeDocument/2006/relationships" xmlns:p="http://schemas.openxmlformats.org/presentationml/2006/main">
   <p:cSld>
     <p:bg>
@@ -23480,7 +23410,1316 @@
 </p:sld>
 </file>
 
+<file path=ppt/slides/slide6.xml><?xml version="1.0" encoding="utf-8"?>
+<p:sld xmlns:a="http://schemas.openxmlformats.org/drawingml/2006/main" xmlns:r="http://schemas.openxmlformats.org/officeDocument/2006/relationships" xmlns:p="http://schemas.openxmlformats.org/presentationml/2006/main">
+  <p:cSld>
+    <p:spTree>
+      <p:nvGrpSpPr>
+        <p:cNvPr id="1" name=""/>
+        <p:cNvGrpSpPr/>
+        <p:nvPr/>
+      </p:nvGrpSpPr>
+      <p:grpSpPr>
+        <a:xfrm>
+          <a:off x="0" y="0"/>
+          <a:ext cx="0" cy="0"/>
+          <a:chOff x="0" y="0"/>
+          <a:chExt cx="0" cy="0"/>
+        </a:xfrm>
+      </p:grpSpPr>
+      <p:sp>
+        <p:nvSpPr>
+          <p:cNvPr id="2" name="Title 1">
+            <a:extLst>
+              <a:ext uri="{FF2B5EF4-FFF2-40B4-BE49-F238E27FC236}">
+                <a16:creationId xmlns:a16="http://schemas.microsoft.com/office/drawing/2014/main" id="{F4A5BA67-3CA1-4A6B-9980-825F9C40C339}"/>
+              </a:ext>
+            </a:extLst>
+          </p:cNvPr>
+          <p:cNvSpPr>
+            <a:spLocks noGrp="1"/>
+          </p:cNvSpPr>
+          <p:nvPr>
+            <p:ph type="title"/>
+          </p:nvPr>
+        </p:nvSpPr>
+        <p:spPr/>
+        <p:txBody>
+          <a:bodyPr/>
+          <a:lstStyle/>
+          <a:p>
+            <a:r>
+              <a:rPr lang="en-US" dirty="0"/>
+              <a:t>Launch.bat</a:t>
+            </a:r>
+          </a:p>
+        </p:txBody>
+      </p:sp>
+      <p:pic>
+        <p:nvPicPr>
+          <p:cNvPr id="5" name="Content Placeholder 4" descr="Text&#10;&#10;Description automatically generated">
+            <a:extLst>
+              <a:ext uri="{FF2B5EF4-FFF2-40B4-BE49-F238E27FC236}">
+                <a16:creationId xmlns:a16="http://schemas.microsoft.com/office/drawing/2014/main" id="{B79C7B3D-A12D-4E99-ADF7-6698A0652440}"/>
+              </a:ext>
+            </a:extLst>
+          </p:cNvPr>
+          <p:cNvPicPr>
+            <a:picLocks noGrp="1" noChangeAspect="1"/>
+          </p:cNvPicPr>
+          <p:nvPr>
+            <p:ph idx="1"/>
+          </p:nvPr>
+        </p:nvPicPr>
+        <p:blipFill>
+          <a:blip r:embed="rId2">
+            <a:extLst>
+              <a:ext uri="{28A0092B-C50C-407E-A947-70E740481C1C}">
+                <a14:useLocalDpi xmlns:a14="http://schemas.microsoft.com/office/drawing/2010/main" val="0"/>
+              </a:ext>
+            </a:extLst>
+          </a:blip>
+          <a:stretch>
+            <a:fillRect/>
+          </a:stretch>
+        </p:blipFill>
+        <p:spPr>
+          <a:xfrm>
+            <a:off x="513360" y="1796769"/>
+            <a:ext cx="10745190" cy="1387625"/>
+          </a:xfrm>
+        </p:spPr>
+      </p:pic>
+      <p:sp>
+        <p:nvSpPr>
+          <p:cNvPr id="6" name="TextBox 5">
+            <a:extLst>
+              <a:ext uri="{FF2B5EF4-FFF2-40B4-BE49-F238E27FC236}">
+                <a16:creationId xmlns:a16="http://schemas.microsoft.com/office/drawing/2014/main" id="{6207D41A-6396-4FFF-9B83-82C6FB2F2872}"/>
+              </a:ext>
+            </a:extLst>
+          </p:cNvPr>
+          <p:cNvSpPr txBox="1"/>
+          <p:nvPr/>
+        </p:nvSpPr>
+        <p:spPr>
+          <a:xfrm>
+            <a:off x="513360" y="3429000"/>
+            <a:ext cx="7785652" cy="1200329"/>
+          </a:xfrm>
+          <a:prstGeom prst="rect">
+            <a:avLst/>
+          </a:prstGeom>
+          <a:noFill/>
+        </p:spPr>
+        <p:txBody>
+          <a:bodyPr wrap="square" rtlCol="0">
+            <a:spAutoFit/>
+          </a:bodyPr>
+          <a:lstStyle/>
+          <a:p>
+            <a:r>
+              <a:rPr lang="en-US" sz="2400" dirty="0"/>
+              <a:t>1: Starts the file</a:t>
+            </a:r>
+          </a:p>
+          <a:p>
+            <a:r>
+              <a:rPr lang="en-US" sz="2400" dirty="0"/>
+              <a:t>2: Starts the keylogger in the specified location</a:t>
+            </a:r>
+          </a:p>
+          <a:p>
+            <a:r>
+              <a:rPr lang="en-US" sz="2400" dirty="0"/>
+              <a:t>3: Starts the regular Internet Explorer program</a:t>
+            </a:r>
+          </a:p>
+        </p:txBody>
+      </p:sp>
+      <p:sp>
+        <p:nvSpPr>
+          <p:cNvPr id="10" name="TextBox 9">
+            <a:extLst>
+              <a:ext uri="{FF2B5EF4-FFF2-40B4-BE49-F238E27FC236}">
+                <a16:creationId xmlns:a16="http://schemas.microsoft.com/office/drawing/2014/main" id="{0A05B9C7-6916-48D0-BAA4-E70724C04C0F}"/>
+              </a:ext>
+            </a:extLst>
+          </p:cNvPr>
+          <p:cNvSpPr txBox="1"/>
+          <p:nvPr/>
+        </p:nvSpPr>
+        <p:spPr>
+          <a:xfrm>
+            <a:off x="2003806" y="5056094"/>
+            <a:ext cx="8337177" cy="646331"/>
+          </a:xfrm>
+          <a:prstGeom prst="rect">
+            <a:avLst/>
+          </a:prstGeom>
+          <a:noFill/>
+        </p:spPr>
+        <p:txBody>
+          <a:bodyPr wrap="square" rtlCol="0">
+            <a:spAutoFit/>
+          </a:bodyPr>
+          <a:lstStyle/>
+          <a:p>
+            <a:r>
+              <a:rPr lang="en-US" dirty="0"/>
+              <a:t>By changing the Launch options of IE whenever the user clicks on the supplication the keylogger will also be launched</a:t>
+            </a:r>
+          </a:p>
+        </p:txBody>
+      </p:sp>
+    </p:spTree>
+    <p:extLst>
+      <p:ext uri="{BB962C8B-B14F-4D97-AF65-F5344CB8AC3E}">
+        <p14:creationId xmlns:p14="http://schemas.microsoft.com/office/powerpoint/2010/main" val="238076357"/>
+      </p:ext>
+    </p:extLst>
+  </p:cSld>
+  <p:clrMapOvr>
+    <a:masterClrMapping/>
+  </p:clrMapOvr>
+</p:sld>
+</file>
+
+<file path=ppt/slides/slide7.xml><?xml version="1.0" encoding="utf-8"?>
+<p:sld xmlns:a="http://schemas.openxmlformats.org/drawingml/2006/main" xmlns:r="http://schemas.openxmlformats.org/officeDocument/2006/relationships" xmlns:p="http://schemas.openxmlformats.org/presentationml/2006/main">
+  <p:cSld>
+    <p:bg>
+      <p:bgPr>
+        <a:solidFill>
+          <a:schemeClr val="bg1"/>
+        </a:solidFill>
+        <a:effectLst/>
+      </p:bgPr>
+    </p:bg>
+    <p:spTree>
+      <p:nvGrpSpPr>
+        <p:cNvPr id="1" name=""/>
+        <p:cNvGrpSpPr/>
+        <p:nvPr/>
+      </p:nvGrpSpPr>
+      <p:grpSpPr>
+        <a:xfrm>
+          <a:off x="0" y="0"/>
+          <a:ext cx="0" cy="0"/>
+          <a:chOff x="0" y="0"/>
+          <a:chExt cx="0" cy="0"/>
+        </a:xfrm>
+      </p:grpSpPr>
+      <p:sp>
+        <p:nvSpPr>
+          <p:cNvPr id="60" name="Rectangle 53">
+            <a:extLst>
+              <a:ext uri="{FF2B5EF4-FFF2-40B4-BE49-F238E27FC236}">
+                <a16:creationId xmlns:a16="http://schemas.microsoft.com/office/drawing/2014/main" id="{89C8D586-1ECD-4981-BED2-97336112C0AD}"/>
+              </a:ext>
+              <a:ext uri="{C183D7F6-B498-43B3-948B-1728B52AA6E4}">
+                <adec:decorative xmlns:adec="http://schemas.microsoft.com/office/drawing/2017/decorative" val="1"/>
+              </a:ext>
+            </a:extLst>
+          </p:cNvPr>
+          <p:cNvSpPr>
+            <a:spLocks noGrp="1" noRot="1" noChangeAspect="1" noMove="1" noResize="1" noEditPoints="1" noAdjustHandles="1" noChangeArrowheads="1" noChangeShapeType="1" noTextEdit="1"/>
+          </p:cNvSpPr>
+          <p:nvPr>
+            <p:extLst>
+              <p:ext uri="{386F3935-93C4-4BCD-93E2-E3B085C9AB24}">
+                <p16:designElem xmlns:p16="http://schemas.microsoft.com/office/powerpoint/2015/main" val="1"/>
+              </p:ext>
+            </p:extLst>
+          </p:nvPr>
+        </p:nvSpPr>
+        <p:spPr>
+          <a:xfrm>
+            <a:off x="0" y="0"/>
+            <a:ext cx="12191999" cy="6857999"/>
+          </a:xfrm>
+          <a:prstGeom prst="rect">
+            <a:avLst/>
+          </a:prstGeom>
+          <a:blipFill dpi="0" rotWithShape="1">
+            <a:blip r:embed="rId2">
+              <a:alphaModFix amt="60000"/>
+              <a:lum bright="70000" contrast="-70000"/>
+              <a:extLst>
+                <a:ext uri="{28A0092B-C50C-407E-A947-70E740481C1C}">
+                  <a14:useLocalDpi xmlns:a14="http://schemas.microsoft.com/office/drawing/2010/main" val="0"/>
+                </a:ext>
+              </a:extLst>
+            </a:blip>
+            <a:srcRect/>
+            <a:tile tx="0" ty="-704850" sx="92000" sy="89000" flip="xy" algn="ctr"/>
+          </a:blipFill>
+          <a:ln>
+            <a:noFill/>
+          </a:ln>
+        </p:spPr>
+        <p:style>
+          <a:lnRef idx="2">
+            <a:schemeClr val="accent1">
+              <a:shade val="50000"/>
+            </a:schemeClr>
+          </a:lnRef>
+          <a:fillRef idx="1">
+            <a:schemeClr val="accent1"/>
+          </a:fillRef>
+          <a:effectRef idx="0">
+            <a:schemeClr val="accent1"/>
+          </a:effectRef>
+          <a:fontRef idx="minor">
+            <a:schemeClr val="lt1"/>
+          </a:fontRef>
+        </p:style>
+        <p:txBody>
+          <a:bodyPr rtlCol="0" anchor="ctr"/>
+          <a:lstStyle/>
+          <a:p>
+            <a:pPr algn="ctr"/>
+            <a:endParaRPr lang="en-US"/>
+          </a:p>
+        </p:txBody>
+      </p:sp>
+      <p:sp>
+        <p:nvSpPr>
+          <p:cNvPr id="2" name="Title 1">
+            <a:extLst>
+              <a:ext uri="{FF2B5EF4-FFF2-40B4-BE49-F238E27FC236}">
+                <a16:creationId xmlns:a16="http://schemas.microsoft.com/office/drawing/2014/main" id="{F68A8884-D64F-417A-9EF7-A720FD3F3DE0}"/>
+              </a:ext>
+            </a:extLst>
+          </p:cNvPr>
+          <p:cNvSpPr>
+            <a:spLocks noGrp="1"/>
+          </p:cNvSpPr>
+          <p:nvPr>
+            <p:ph type="title"/>
+          </p:nvPr>
+        </p:nvSpPr>
+        <p:spPr>
+          <a:xfrm>
+            <a:off x="6400800" y="484632"/>
+            <a:ext cx="5299586" cy="1609344"/>
+          </a:xfrm>
+          <a:ln>
+            <a:noFill/>
+          </a:ln>
+        </p:spPr>
+        <p:txBody>
+          <a:bodyPr>
+            <a:normAutofit/>
+          </a:bodyPr>
+          <a:lstStyle/>
+          <a:p>
+            <a:r>
+              <a:rPr lang="en-US" sz="4000"/>
+              <a:t>Key_logger.pyw</a:t>
+            </a:r>
+          </a:p>
+        </p:txBody>
+      </p:sp>
+      <p:pic>
+        <p:nvPicPr>
+          <p:cNvPr id="9" name="Content Placeholder 8" descr="Text&#10;&#10;Description automatically generated">
+            <a:extLst>
+              <a:ext uri="{FF2B5EF4-FFF2-40B4-BE49-F238E27FC236}">
+                <a16:creationId xmlns:a16="http://schemas.microsoft.com/office/drawing/2014/main" id="{7C57CF75-907D-4085-B5E0-4E5872B7D992}"/>
+              </a:ext>
+            </a:extLst>
+          </p:cNvPr>
+          <p:cNvPicPr>
+            <a:picLocks noChangeAspect="1"/>
+          </p:cNvPicPr>
+          <p:nvPr/>
+        </p:nvPicPr>
+        <p:blipFill rotWithShape="1">
+          <a:blip r:embed="rId3">
+            <a:extLst>
+              <a:ext uri="{28A0092B-C50C-407E-A947-70E740481C1C}">
+                <a14:useLocalDpi xmlns:a14="http://schemas.microsoft.com/office/drawing/2010/main" val="0"/>
+              </a:ext>
+            </a:extLst>
+          </a:blip>
+          <a:srcRect t="2998" r="3" b="7004"/>
+          <a:stretch/>
+        </p:blipFill>
+        <p:spPr>
+          <a:xfrm>
+            <a:off x="1" y="10"/>
+            <a:ext cx="6066502" cy="6857989"/>
+          </a:xfrm>
+          <a:prstGeom prst="rect">
+            <a:avLst/>
+          </a:prstGeom>
+        </p:spPr>
+      </p:pic>
+      <p:sp>
+        <p:nvSpPr>
+          <p:cNvPr id="13" name="Content Placeholder 12">
+            <a:extLst>
+              <a:ext uri="{FF2B5EF4-FFF2-40B4-BE49-F238E27FC236}">
+                <a16:creationId xmlns:a16="http://schemas.microsoft.com/office/drawing/2014/main" id="{71EF0009-F401-4A48-9FC7-63657621D00E}"/>
+              </a:ext>
+            </a:extLst>
+          </p:cNvPr>
+          <p:cNvSpPr>
+            <a:spLocks noGrp="1"/>
+          </p:cNvSpPr>
+          <p:nvPr>
+            <p:ph idx="1"/>
+          </p:nvPr>
+        </p:nvSpPr>
+        <p:spPr>
+          <a:xfrm>
+            <a:off x="6400799" y="2121408"/>
+            <a:ext cx="5299585" cy="4050792"/>
+          </a:xfrm>
+        </p:spPr>
+        <p:txBody>
+          <a:bodyPr>
+            <a:normAutofit/>
+          </a:bodyPr>
+          <a:lstStyle/>
+          <a:p>
+            <a:r>
+              <a:rPr lang="en-US" sz="1800" dirty="0"/>
+              <a:t>Lines 12-14 set up variables for </a:t>
+            </a:r>
+          </a:p>
+          <a:p>
+            <a:pPr lvl="1"/>
+            <a:r>
+              <a:rPr lang="en-US" sz="1600" dirty="0"/>
+              <a:t>Storing email value</a:t>
+            </a:r>
+          </a:p>
+          <a:p>
+            <a:pPr lvl="1"/>
+            <a:r>
+              <a:rPr lang="en-US" sz="1600" dirty="0"/>
+              <a:t>Storing key values</a:t>
+            </a:r>
+          </a:p>
+          <a:p>
+            <a:pPr lvl="1"/>
+            <a:r>
+              <a:rPr lang="en-US" sz="1600" dirty="0"/>
+              <a:t>Setting email char limit</a:t>
+            </a:r>
+          </a:p>
+          <a:p>
+            <a:r>
+              <a:rPr lang="en-US" sz="1800" dirty="0" err="1"/>
+              <a:t>on_press</a:t>
+            </a:r>
+            <a:r>
+              <a:rPr lang="en-US" sz="1800" dirty="0"/>
+              <a:t>(key)</a:t>
+            </a:r>
+          </a:p>
+          <a:p>
+            <a:pPr lvl="1"/>
+            <a:r>
+              <a:rPr lang="en-US" sz="1600" dirty="0"/>
+              <a:t>Collects input of the keys a user presses</a:t>
+            </a:r>
+          </a:p>
+          <a:p>
+            <a:pPr lvl="1"/>
+            <a:endParaRPr lang="en-US" sz="1600" dirty="0"/>
+          </a:p>
+          <a:p>
+            <a:r>
+              <a:rPr lang="en-US" sz="1800" dirty="0" err="1"/>
+              <a:t>email_log</a:t>
+            </a:r>
+            <a:r>
+              <a:rPr lang="en-US" sz="1800" dirty="0"/>
+              <a:t> += word</a:t>
+            </a:r>
+          </a:p>
+          <a:p>
+            <a:pPr lvl="1"/>
+            <a:r>
+              <a:rPr lang="en-US" sz="1600" dirty="0"/>
+              <a:t>Stores the values to be emailed</a:t>
+            </a:r>
+          </a:p>
+          <a:p>
+            <a:pPr lvl="1"/>
+            <a:endParaRPr lang="en-US" sz="1600" dirty="0"/>
+          </a:p>
+          <a:p>
+            <a:r>
+              <a:rPr lang="en-US" sz="1800" dirty="0"/>
+              <a:t>Line 34 checks to see if the email limit has been reached</a:t>
+            </a:r>
+          </a:p>
+          <a:p>
+            <a:pPr lvl="1"/>
+            <a:endParaRPr lang="en-US" sz="1600" dirty="0"/>
+          </a:p>
+        </p:txBody>
+      </p:sp>
+      <p:grpSp>
+        <p:nvGrpSpPr>
+          <p:cNvPr id="61" name="Group 55">
+            <a:extLst>
+              <a:ext uri="{FF2B5EF4-FFF2-40B4-BE49-F238E27FC236}">
+                <a16:creationId xmlns:a16="http://schemas.microsoft.com/office/drawing/2014/main" id="{AF001A23-2767-4A31-BD30-56112DE9527E}"/>
+              </a:ext>
+              <a:ext uri="{C183D7F6-B498-43B3-948B-1728B52AA6E4}">
+                <adec:decorative xmlns:adec="http://schemas.microsoft.com/office/drawing/2017/decorative" val="1"/>
+              </a:ext>
+            </a:extLst>
+          </p:cNvPr>
+          <p:cNvGrpSpPr>
+            <a:grpSpLocks noGrp="1" noUngrp="1" noRot="1" noChangeAspect="1" noMove="1" noResize="1"/>
+          </p:cNvGrpSpPr>
+          <p:nvPr>
+            <p:extLst>
+              <p:ext uri="{386F3935-93C4-4BCD-93E2-E3B085C9AB24}">
+                <p16:designElem xmlns:p16="http://schemas.microsoft.com/office/powerpoint/2015/main" val="1"/>
+              </p:ext>
+            </p:extLst>
+          </p:nvPr>
+        </p:nvGrpSpPr>
+        <p:grpSpPr>
+          <a:xfrm>
+            <a:off x="11401725" y="6229681"/>
+            <a:ext cx="457200" cy="457200"/>
+            <a:chOff x="11361456" y="6195813"/>
+            <a:chExt cx="548640" cy="548640"/>
+          </a:xfrm>
+        </p:grpSpPr>
+        <p:sp>
+          <p:nvSpPr>
+            <p:cNvPr id="62" name="Oval 56">
+              <a:extLst>
+                <a:ext uri="{FF2B5EF4-FFF2-40B4-BE49-F238E27FC236}">
+                  <a16:creationId xmlns:a16="http://schemas.microsoft.com/office/drawing/2014/main" id="{C6BD30CE-7C6B-4C5B-8206-2A912062D667}"/>
+                </a:ext>
+                <a:ext uri="{C183D7F6-B498-43B3-948B-1728B52AA6E4}">
+                  <adec:decorative xmlns:adec="http://schemas.microsoft.com/office/drawing/2017/decorative" val="1"/>
+                </a:ext>
+              </a:extLst>
+            </p:cNvPr>
+            <p:cNvSpPr/>
+            <p:nvPr>
+              <p:extLst>
+                <p:ext uri="{386F3935-93C4-4BCD-93E2-E3B085C9AB24}">
+                  <p16:designElem xmlns:p16="http://schemas.microsoft.com/office/powerpoint/2015/main" val="1"/>
+                </p:ext>
+              </p:extLst>
+            </p:nvPr>
+          </p:nvSpPr>
+          <p:spPr>
+            <a:xfrm>
+              <a:off x="11361456" y="6195813"/>
+              <a:ext cx="548640" cy="548640"/>
+            </a:xfrm>
+            <a:prstGeom prst="ellipse">
+              <a:avLst/>
+            </a:prstGeom>
+            <a:blipFill dpi="0" rotWithShape="1">
+              <a:blip r:embed="rId4">
+                <a:duotone>
+                  <a:schemeClr val="accent1">
+                    <a:shade val="45000"/>
+                    <a:satMod val="135000"/>
+                  </a:schemeClr>
+                  <a:prstClr val="white"/>
+                </a:duotone>
+              </a:blip>
+              <a:srcRect/>
+              <a:tile tx="50800" ty="0" sx="85000" sy="85000" flip="none" algn="tl"/>
+            </a:blipFill>
+            <a:ln w="25400" cap="flat" cmpd="sng" algn="ctr">
+              <a:noFill/>
+              <a:prstDash val="solid"/>
+            </a:ln>
+            <a:effectLst/>
+          </p:spPr>
+          <p:txBody>
+            <a:bodyPr lIns="0" tIns="0" rIns="0" bIns="0" rtlCol="0" anchor="ctr"/>
+            <a:lstStyle/>
+            <a:p>
+              <a:pPr marL="0" marR="0" lvl="0" indent="0" algn="ctr" defTabSz="914400" eaLnBrk="1" fontAlgn="auto" latinLnBrk="0" hangingPunct="1">
+                <a:lnSpc>
+                  <a:spcPct val="100000"/>
+                </a:lnSpc>
+                <a:spcBef>
+                  <a:spcPts val="0"/>
+                </a:spcBef>
+                <a:spcAft>
+                  <a:spcPts val="0"/>
+                </a:spcAft>
+                <a:buClrTx/>
+                <a:buSzTx/>
+                <a:buFontTx/>
+                <a:buNone/>
+                <a:tabLst/>
+                <a:defRPr/>
+              </a:pPr>
+              <a:endParaRPr kumimoji="0" lang="en-US" sz="2000" b="0" i="0" u="none" strike="noStrike" kern="0" cap="none" spc="0" normalizeH="0" baseline="0" noProof="0" dirty="0">
+                <a:ln>
+                  <a:noFill/>
+                </a:ln>
+                <a:solidFill>
+                  <a:prstClr val="white"/>
+                </a:solidFill>
+                <a:effectLst/>
+                <a:uLnTx/>
+                <a:uFillTx/>
+                <a:latin typeface="Rockwell Extra Bold" pitchFamily="18" charset="0"/>
+                <a:ea typeface="+mn-ea"/>
+                <a:cs typeface="+mn-cs"/>
+              </a:endParaRPr>
+            </a:p>
+          </p:txBody>
+        </p:sp>
+        <p:sp>
+          <p:nvSpPr>
+            <p:cNvPr id="63" name="Oval 57">
+              <a:extLst>
+                <a:ext uri="{FF2B5EF4-FFF2-40B4-BE49-F238E27FC236}">
+                  <a16:creationId xmlns:a16="http://schemas.microsoft.com/office/drawing/2014/main" id="{7FA45EC6-AD58-4CAF-846D-46D82B614DDD}"/>
+                </a:ext>
+                <a:ext uri="{C183D7F6-B498-43B3-948B-1728B52AA6E4}">
+                  <adec:decorative xmlns:adec="http://schemas.microsoft.com/office/drawing/2017/decorative" val="1"/>
+                </a:ext>
+              </a:extLst>
+            </p:cNvPr>
+            <p:cNvSpPr/>
+            <p:nvPr>
+              <p:extLst>
+                <p:ext uri="{386F3935-93C4-4BCD-93E2-E3B085C9AB24}">
+                  <p16:designElem xmlns:p16="http://schemas.microsoft.com/office/powerpoint/2015/main" val="1"/>
+                </p:ext>
+              </p:extLst>
+            </p:nvPr>
+          </p:nvSpPr>
+          <p:spPr>
+            <a:xfrm>
+              <a:off x="11396488" y="6230844"/>
+              <a:ext cx="478576" cy="478578"/>
+            </a:xfrm>
+            <a:prstGeom prst="ellipse">
+              <a:avLst/>
+            </a:prstGeom>
+            <a:noFill/>
+            <a:ln w="12700" cap="flat" cmpd="sng" algn="ctr">
+              <a:solidFill>
+                <a:srgbClr val="FFFFFF"/>
+              </a:solidFill>
+              <a:prstDash val="solid"/>
+            </a:ln>
+            <a:effectLst/>
+          </p:spPr>
+          <p:txBody>
+            <a:bodyPr rtlCol="0" anchor="ctr"/>
+            <a:lstStyle/>
+            <a:p>
+              <a:pPr marL="0" marR="0" lvl="0" indent="0" algn="ctr" defTabSz="914400" eaLnBrk="1" fontAlgn="auto" latinLnBrk="0" hangingPunct="1">
+                <a:lnSpc>
+                  <a:spcPct val="100000"/>
+                </a:lnSpc>
+                <a:spcBef>
+                  <a:spcPts val="0"/>
+                </a:spcBef>
+                <a:spcAft>
+                  <a:spcPts val="0"/>
+                </a:spcAft>
+                <a:buClrTx/>
+                <a:buSzTx/>
+                <a:buFontTx/>
+                <a:buNone/>
+                <a:tabLst/>
+                <a:defRPr/>
+              </a:pPr>
+              <a:endParaRPr kumimoji="0" lang="en-US" sz="1800" b="0" i="0" u="none" strike="noStrike" kern="0" cap="none" spc="0" normalizeH="0" baseline="0" noProof="0" dirty="0">
+                <a:ln>
+                  <a:noFill/>
+                </a:ln>
+                <a:solidFill>
+                  <a:prstClr val="white"/>
+                </a:solidFill>
+                <a:effectLst/>
+                <a:uLnTx/>
+                <a:uFillTx/>
+                <a:latin typeface="Calibri"/>
+                <a:ea typeface="+mn-ea"/>
+                <a:cs typeface="+mn-cs"/>
+              </a:endParaRPr>
+            </a:p>
+          </p:txBody>
+        </p:sp>
+      </p:grpSp>
+    </p:spTree>
+    <p:extLst>
+      <p:ext uri="{BB962C8B-B14F-4D97-AF65-F5344CB8AC3E}">
+        <p14:creationId xmlns:p14="http://schemas.microsoft.com/office/powerpoint/2010/main" val="4067036895"/>
+      </p:ext>
+    </p:extLst>
+  </p:cSld>
+  <p:clrMapOvr>
+    <a:masterClrMapping/>
+  </p:clrMapOvr>
+</p:sld>
+</file>
+
 <file path=ppt/slides/slide8.xml><?xml version="1.0" encoding="utf-8"?>
+<p:sld xmlns:a="http://schemas.openxmlformats.org/drawingml/2006/main" xmlns:r="http://schemas.openxmlformats.org/officeDocument/2006/relationships" xmlns:p="http://schemas.openxmlformats.org/presentationml/2006/main">
+  <p:cSld>
+    <p:bg>
+      <p:bgPr>
+        <a:solidFill>
+          <a:schemeClr val="bg1"/>
+        </a:solidFill>
+        <a:effectLst/>
+      </p:bgPr>
+    </p:bg>
+    <p:spTree>
+      <p:nvGrpSpPr>
+        <p:cNvPr id="1" name=""/>
+        <p:cNvGrpSpPr/>
+        <p:nvPr/>
+      </p:nvGrpSpPr>
+      <p:grpSpPr>
+        <a:xfrm>
+          <a:off x="0" y="0"/>
+          <a:ext cx="0" cy="0"/>
+          <a:chOff x="0" y="0"/>
+          <a:chExt cx="0" cy="0"/>
+        </a:xfrm>
+      </p:grpSpPr>
+      <p:sp useBgFill="1">
+        <p:nvSpPr>
+          <p:cNvPr id="19" name="Rectangle 11">
+            <a:extLst>
+              <a:ext uri="{FF2B5EF4-FFF2-40B4-BE49-F238E27FC236}">
+                <a16:creationId xmlns:a16="http://schemas.microsoft.com/office/drawing/2014/main" id="{E009DD9B-5EE2-4C0D-8B2B-351C8C102205}"/>
+              </a:ext>
+              <a:ext uri="{C183D7F6-B498-43B3-948B-1728B52AA6E4}">
+                <adec:decorative xmlns:adec="http://schemas.microsoft.com/office/drawing/2017/decorative" val="1"/>
+              </a:ext>
+            </a:extLst>
+          </p:cNvPr>
+          <p:cNvSpPr>
+            <a:spLocks noGrp="1" noRot="1" noChangeAspect="1" noMove="1" noResize="1" noEditPoints="1" noAdjustHandles="1" noChangeArrowheads="1" noChangeShapeType="1" noTextEdit="1"/>
+          </p:cNvSpPr>
+          <p:nvPr>
+            <p:extLst>
+              <p:ext uri="{386F3935-93C4-4BCD-93E2-E3B085C9AB24}">
+                <p16:designElem xmlns:p16="http://schemas.microsoft.com/office/powerpoint/2015/main" val="1"/>
+              </p:ext>
+            </p:extLst>
+          </p:nvPr>
+        </p:nvSpPr>
+        <p:spPr>
+          <a:xfrm>
+            <a:off x="0" y="0"/>
+            <a:ext cx="12192000" cy="6858000"/>
+          </a:xfrm>
+          <a:prstGeom prst="rect">
+            <a:avLst/>
+          </a:prstGeom>
+          <a:ln>
+            <a:noFill/>
+          </a:ln>
+        </p:spPr>
+        <p:style>
+          <a:lnRef idx="2">
+            <a:schemeClr val="accent1">
+              <a:shade val="50000"/>
+            </a:schemeClr>
+          </a:lnRef>
+          <a:fillRef idx="1">
+            <a:schemeClr val="accent1"/>
+          </a:fillRef>
+          <a:effectRef idx="0">
+            <a:schemeClr val="accent1"/>
+          </a:effectRef>
+          <a:fontRef idx="minor">
+            <a:schemeClr val="lt1"/>
+          </a:fontRef>
+        </p:style>
+        <p:txBody>
+          <a:bodyPr rtlCol="0" anchor="ctr"/>
+          <a:lstStyle/>
+          <a:p>
+            <a:pPr algn="ctr"/>
+            <a:endParaRPr lang="en-US"/>
+          </a:p>
+        </p:txBody>
+      </p:sp>
+      <p:sp>
+        <p:nvSpPr>
+          <p:cNvPr id="21" name="Rectangle 13">
+            <a:extLst>
+              <a:ext uri="{FF2B5EF4-FFF2-40B4-BE49-F238E27FC236}">
+                <a16:creationId xmlns:a16="http://schemas.microsoft.com/office/drawing/2014/main" id="{E720DB99-7745-4E75-9D96-AAB6D55C531E}"/>
+              </a:ext>
+              <a:ext uri="{C183D7F6-B498-43B3-948B-1728B52AA6E4}">
+                <adec:decorative xmlns:adec="http://schemas.microsoft.com/office/drawing/2017/decorative" val="1"/>
+              </a:ext>
+            </a:extLst>
+          </p:cNvPr>
+          <p:cNvSpPr>
+            <a:spLocks noGrp="1" noRot="1" noChangeAspect="1" noMove="1" noResize="1" noEditPoints="1" noAdjustHandles="1" noChangeArrowheads="1" noChangeShapeType="1" noTextEdit="1"/>
+          </p:cNvSpPr>
+          <p:nvPr>
+            <p:extLst>
+              <p:ext uri="{386F3935-93C4-4BCD-93E2-E3B085C9AB24}">
+                <p16:designElem xmlns:p16="http://schemas.microsoft.com/office/powerpoint/2015/main" val="1"/>
+              </p:ext>
+            </p:extLst>
+          </p:nvPr>
+        </p:nvSpPr>
+        <p:spPr>
+          <a:xfrm>
+            <a:off x="984504" y="464119"/>
+            <a:ext cx="10222992" cy="80683"/>
+          </a:xfrm>
+          <a:prstGeom prst="rect">
+            <a:avLst/>
+          </a:prstGeom>
+          <a:blipFill dpi="0" rotWithShape="1">
+            <a:blip r:embed="rId2">
+              <a:alphaModFix amt="85000"/>
+              <a:lum bright="70000" contrast="-70000"/>
+              <a:extLst>
+                <a:ext uri="{BEBA8EAE-BF5A-486C-A8C5-ECC9F3942E4B}">
+                  <a14:imgProps xmlns:a14="http://schemas.microsoft.com/office/drawing/2010/main">
+                    <a14:imgLayer r:embed="rId3">
+                      <a14:imgEffect>
+                        <a14:sharpenSoften amount="61000"/>
+                      </a14:imgEffect>
+                    </a14:imgLayer>
+                  </a14:imgProps>
+                </a:ext>
+                <a:ext uri="{28A0092B-C50C-407E-A947-70E740481C1C}">
+                  <a14:useLocalDpi xmlns:a14="http://schemas.microsoft.com/office/drawing/2010/main" val="0"/>
+                </a:ext>
+              </a:extLst>
+            </a:blip>
+            <a:srcRect/>
+            <a:tile tx="0" ty="-762000" sx="92000" sy="89000" flip="xy" algn="ctr"/>
+          </a:blipFill>
+          <a:ln>
+            <a:noFill/>
+          </a:ln>
+        </p:spPr>
+        <p:style>
+          <a:lnRef idx="2">
+            <a:schemeClr val="accent1">
+              <a:shade val="50000"/>
+            </a:schemeClr>
+          </a:lnRef>
+          <a:fillRef idx="1">
+            <a:schemeClr val="accent1"/>
+          </a:fillRef>
+          <a:effectRef idx="0">
+            <a:schemeClr val="accent1"/>
+          </a:effectRef>
+          <a:fontRef idx="minor">
+            <a:schemeClr val="lt1"/>
+          </a:fontRef>
+        </p:style>
+      </p:sp>
+      <p:sp>
+        <p:nvSpPr>
+          <p:cNvPr id="23" name="Rectangle 15">
+            <a:extLst>
+              <a:ext uri="{FF2B5EF4-FFF2-40B4-BE49-F238E27FC236}">
+                <a16:creationId xmlns:a16="http://schemas.microsoft.com/office/drawing/2014/main" id="{D68803C4-E159-4360-B7BB-74205C8F782D}"/>
+              </a:ext>
+              <a:ext uri="{C183D7F6-B498-43B3-948B-1728B52AA6E4}">
+                <adec:decorative xmlns:adec="http://schemas.microsoft.com/office/drawing/2017/decorative" val="1"/>
+              </a:ext>
+            </a:extLst>
+          </p:cNvPr>
+          <p:cNvSpPr>
+            <a:spLocks noGrp="1" noRot="1" noChangeAspect="1" noMove="1" noResize="1" noEditPoints="1" noAdjustHandles="1" noChangeArrowheads="1" noChangeShapeType="1" noTextEdit="1"/>
+          </p:cNvSpPr>
+          <p:nvPr>
+            <p:extLst>
+              <p:ext uri="{386F3935-93C4-4BCD-93E2-E3B085C9AB24}">
+                <p16:designElem xmlns:p16="http://schemas.microsoft.com/office/powerpoint/2015/main" val="1"/>
+              </p:ext>
+            </p:extLst>
+          </p:nvPr>
+        </p:nvSpPr>
+        <p:spPr>
+          <a:xfrm>
+            <a:off x="984504" y="601952"/>
+            <a:ext cx="10222992" cy="1385874"/>
+          </a:xfrm>
+          <a:prstGeom prst="rect">
+            <a:avLst/>
+          </a:prstGeom>
+          <a:blipFill dpi="0" rotWithShape="1">
+            <a:blip r:embed="rId2">
+              <a:alphaModFix amt="85000"/>
+              <a:lum bright="70000" contrast="-70000"/>
+              <a:extLst>
+                <a:ext uri="{BEBA8EAE-BF5A-486C-A8C5-ECC9F3942E4B}">
+                  <a14:imgProps xmlns:a14="http://schemas.microsoft.com/office/drawing/2010/main">
+                    <a14:imgLayer r:embed="rId3">
+                      <a14:imgEffect>
+                        <a14:sharpenSoften amount="61000"/>
+                      </a14:imgEffect>
+                    </a14:imgLayer>
+                  </a14:imgProps>
+                </a:ext>
+                <a:ext uri="{28A0092B-C50C-407E-A947-70E740481C1C}">
+                  <a14:useLocalDpi xmlns:a14="http://schemas.microsoft.com/office/drawing/2010/main" val="0"/>
+                </a:ext>
+              </a:extLst>
+            </a:blip>
+            <a:srcRect/>
+            <a:tile tx="0" ty="-704850" sx="92000" sy="89000" flip="xy" algn="ctr"/>
+          </a:blipFill>
+          <a:ln>
+            <a:noFill/>
+          </a:ln>
+        </p:spPr>
+        <p:style>
+          <a:lnRef idx="2">
+            <a:schemeClr val="accent1">
+              <a:shade val="50000"/>
+            </a:schemeClr>
+          </a:lnRef>
+          <a:fillRef idx="1">
+            <a:schemeClr val="accent1"/>
+          </a:fillRef>
+          <a:effectRef idx="0">
+            <a:schemeClr val="accent1"/>
+          </a:effectRef>
+          <a:fontRef idx="minor">
+            <a:schemeClr val="lt1"/>
+          </a:fontRef>
+        </p:style>
+      </p:sp>
+      <p:sp>
+        <p:nvSpPr>
+          <p:cNvPr id="18" name="Rectangle 17">
+            <a:extLst>
+              <a:ext uri="{FF2B5EF4-FFF2-40B4-BE49-F238E27FC236}">
+                <a16:creationId xmlns:a16="http://schemas.microsoft.com/office/drawing/2014/main" id="{504B0465-3B07-49BF-BEA7-D81476246293}"/>
+              </a:ext>
+              <a:ext uri="{C183D7F6-B498-43B3-948B-1728B52AA6E4}">
+                <adec:decorative xmlns:adec="http://schemas.microsoft.com/office/drawing/2017/decorative" val="1"/>
+              </a:ext>
+            </a:extLst>
+          </p:cNvPr>
+          <p:cNvSpPr>
+            <a:spLocks noGrp="1" noRot="1" noChangeAspect="1" noMove="1" noResize="1" noEditPoints="1" noAdjustHandles="1" noChangeArrowheads="1" noChangeShapeType="1" noTextEdit="1"/>
+          </p:cNvSpPr>
+          <p:nvPr>
+            <p:extLst>
+              <p:ext uri="{386F3935-93C4-4BCD-93E2-E3B085C9AB24}">
+                <p16:designElem xmlns:p16="http://schemas.microsoft.com/office/powerpoint/2015/main" val="1"/>
+              </p:ext>
+            </p:extLst>
+          </p:nvPr>
+        </p:nvSpPr>
+        <p:spPr>
+          <a:xfrm>
+            <a:off x="984504" y="2038655"/>
+            <a:ext cx="10222992" cy="80683"/>
+          </a:xfrm>
+          <a:prstGeom prst="rect">
+            <a:avLst/>
+          </a:prstGeom>
+          <a:blipFill dpi="0" rotWithShape="1">
+            <a:blip r:embed="rId2">
+              <a:alphaModFix amt="85000"/>
+              <a:lum bright="70000" contrast="-70000"/>
+              <a:extLst>
+                <a:ext uri="{BEBA8EAE-BF5A-486C-A8C5-ECC9F3942E4B}">
+                  <a14:imgProps xmlns:a14="http://schemas.microsoft.com/office/drawing/2010/main">
+                    <a14:imgLayer r:embed="rId3">
+                      <a14:imgEffect>
+                        <a14:sharpenSoften amount="61000"/>
+                      </a14:imgEffect>
+                    </a14:imgLayer>
+                  </a14:imgProps>
+                </a:ext>
+                <a:ext uri="{28A0092B-C50C-407E-A947-70E740481C1C}">
+                  <a14:useLocalDpi xmlns:a14="http://schemas.microsoft.com/office/drawing/2010/main" val="0"/>
+                </a:ext>
+              </a:extLst>
+            </a:blip>
+            <a:srcRect/>
+            <a:tile tx="0" ty="-717550" sx="92000" sy="89000" flip="xy" algn="ctr"/>
+          </a:blipFill>
+          <a:ln>
+            <a:noFill/>
+          </a:ln>
+        </p:spPr>
+        <p:style>
+          <a:lnRef idx="2">
+            <a:schemeClr val="accent1">
+              <a:shade val="50000"/>
+            </a:schemeClr>
+          </a:lnRef>
+          <a:fillRef idx="1">
+            <a:schemeClr val="accent1"/>
+          </a:fillRef>
+          <a:effectRef idx="0">
+            <a:schemeClr val="accent1"/>
+          </a:effectRef>
+          <a:fontRef idx="minor">
+            <a:schemeClr val="lt1"/>
+          </a:fontRef>
+        </p:style>
+      </p:sp>
+      <p:sp>
+        <p:nvSpPr>
+          <p:cNvPr id="2" name="Title 1">
+            <a:extLst>
+              <a:ext uri="{FF2B5EF4-FFF2-40B4-BE49-F238E27FC236}">
+                <a16:creationId xmlns:a16="http://schemas.microsoft.com/office/drawing/2014/main" id="{EAAB4231-1285-4291-8E76-6790B574C190}"/>
+              </a:ext>
+            </a:extLst>
+          </p:cNvPr>
+          <p:cNvSpPr>
+            <a:spLocks noGrp="1"/>
+          </p:cNvSpPr>
+          <p:nvPr>
+            <p:ph type="title"/>
+          </p:nvPr>
+        </p:nvSpPr>
+        <p:spPr>
+          <a:xfrm>
+            <a:off x="1069848" y="484632"/>
+            <a:ext cx="10058400" cy="1609344"/>
+          </a:xfrm>
+        </p:spPr>
+        <p:txBody>
+          <a:bodyPr>
+            <a:normAutofit/>
+          </a:bodyPr>
+          <a:lstStyle/>
+          <a:p>
+            <a:r>
+              <a:rPr lang="en-US"/>
+              <a:t>Key_logger.pyw</a:t>
+            </a:r>
+            <a:endParaRPr lang="en-US" dirty="0"/>
+          </a:p>
+        </p:txBody>
+      </p:sp>
+      <p:pic>
+        <p:nvPicPr>
+          <p:cNvPr id="5" name="Content Placeholder 4" descr="Text&#10;&#10;Description automatically generated">
+            <a:extLst>
+              <a:ext uri="{FF2B5EF4-FFF2-40B4-BE49-F238E27FC236}">
+                <a16:creationId xmlns:a16="http://schemas.microsoft.com/office/drawing/2014/main" id="{736FC800-585B-4FE2-B580-915FA482DFB7}"/>
+              </a:ext>
+            </a:extLst>
+          </p:cNvPr>
+          <p:cNvPicPr>
+            <a:picLocks noChangeAspect="1"/>
+          </p:cNvPicPr>
+          <p:nvPr/>
+        </p:nvPicPr>
+        <p:blipFill rotWithShape="1">
+          <a:blip r:embed="rId4">
+            <a:extLst>
+              <a:ext uri="{28A0092B-C50C-407E-A947-70E740481C1C}">
+                <a14:useLocalDpi xmlns:a14="http://schemas.microsoft.com/office/drawing/2010/main" val="0"/>
+              </a:ext>
+            </a:extLst>
+          </a:blip>
+          <a:srcRect r="1086" b="-2"/>
+          <a:stretch/>
+        </p:blipFill>
+        <p:spPr>
+          <a:xfrm>
+            <a:off x="1007196" y="2265037"/>
+            <a:ext cx="5088800" cy="3907158"/>
+          </a:xfrm>
+          <a:prstGeom prst="rect">
+            <a:avLst/>
+          </a:prstGeom>
+        </p:spPr>
+      </p:pic>
+      <p:sp>
+        <p:nvSpPr>
+          <p:cNvPr id="9" name="Content Placeholder 8">
+            <a:extLst>
+              <a:ext uri="{FF2B5EF4-FFF2-40B4-BE49-F238E27FC236}">
+                <a16:creationId xmlns:a16="http://schemas.microsoft.com/office/drawing/2014/main" id="{31095A24-6747-4125-8128-A320D82D0A10}"/>
+              </a:ext>
+            </a:extLst>
+          </p:cNvPr>
+          <p:cNvSpPr>
+            <a:spLocks noGrp="1"/>
+          </p:cNvSpPr>
+          <p:nvPr>
+            <p:ph idx="1"/>
+          </p:nvPr>
+        </p:nvSpPr>
+        <p:spPr>
+          <a:xfrm>
+            <a:off x="6496216" y="2320412"/>
+            <a:ext cx="4632031" cy="3851787"/>
+          </a:xfrm>
+        </p:spPr>
+        <p:txBody>
+          <a:bodyPr anchor="ctr">
+            <a:normAutofit/>
+          </a:bodyPr>
+          <a:lstStyle/>
+          <a:p>
+            <a:r>
+              <a:rPr lang="en-US" dirty="0"/>
+              <a:t>This Code sends the email to our created logger </a:t>
+            </a:r>
+            <a:r>
+              <a:rPr lang="en-US" dirty="0" err="1"/>
+              <a:t>gmail</a:t>
+            </a:r>
+            <a:endParaRPr lang="en-US" dirty="0"/>
+          </a:p>
+          <a:p>
+            <a:r>
+              <a:rPr lang="en-US" dirty="0"/>
+              <a:t>It uses </a:t>
+            </a:r>
+            <a:r>
+              <a:rPr lang="en-US" dirty="0" err="1"/>
+              <a:t>smtplib</a:t>
+            </a:r>
+            <a:r>
+              <a:rPr lang="en-US" dirty="0"/>
+              <a:t> to send the messages from python to </a:t>
+            </a:r>
+            <a:r>
+              <a:rPr lang="en-US" dirty="0" err="1"/>
+              <a:t>gmail</a:t>
+            </a:r>
+            <a:endParaRPr lang="en-US" dirty="0"/>
+          </a:p>
+          <a:p>
+            <a:pPr lvl="1"/>
+            <a:r>
+              <a:rPr lang="en-US" dirty="0" err="1"/>
+              <a:t>Sendmail</a:t>
+            </a:r>
+            <a:r>
+              <a:rPr lang="en-US" dirty="0"/>
+              <a:t>(&lt;from&gt;,&lt;to&gt;,&lt;message&gt;)</a:t>
+            </a:r>
+          </a:p>
+          <a:p>
+            <a:r>
+              <a:rPr lang="en-US" dirty="0"/>
+              <a:t>With Listener </a:t>
+            </a:r>
+          </a:p>
+          <a:p>
+            <a:pPr lvl="1"/>
+            <a:r>
+              <a:rPr lang="en-US" dirty="0"/>
+              <a:t>Is used with </a:t>
+            </a:r>
+            <a:r>
+              <a:rPr lang="en-US" dirty="0" err="1"/>
+              <a:t>on_press</a:t>
+            </a:r>
+            <a:r>
+              <a:rPr lang="en-US" dirty="0"/>
+              <a:t> to get the user key values</a:t>
+            </a:r>
+          </a:p>
+        </p:txBody>
+      </p:sp>
+      <p:sp>
+        <p:nvSpPr>
+          <p:cNvPr id="20" name="Oval 19">
+            <a:extLst>
+              <a:ext uri="{FF2B5EF4-FFF2-40B4-BE49-F238E27FC236}">
+                <a16:creationId xmlns:a16="http://schemas.microsoft.com/office/drawing/2014/main" id="{49B7FFA5-14CB-4A4F-9BCC-CA3AA5D9D276}"/>
+              </a:ext>
+              <a:ext uri="{C183D7F6-B498-43B3-948B-1728B52AA6E4}">
+                <adec:decorative xmlns:adec="http://schemas.microsoft.com/office/drawing/2017/decorative" val="1"/>
+              </a:ext>
+            </a:extLst>
+          </p:cNvPr>
+          <p:cNvSpPr>
+            <a:spLocks noGrp="1" noRot="1" noChangeAspect="1" noMove="1" noResize="1" noEditPoints="1" noAdjustHandles="1" noChangeArrowheads="1" noChangeShapeType="1" noTextEdit="1"/>
+          </p:cNvSpPr>
+          <p:nvPr>
+            <p:extLst>
+              <p:ext uri="{386F3935-93C4-4BCD-93E2-E3B085C9AB24}">
+                <p16:designElem xmlns:p16="http://schemas.microsoft.com/office/powerpoint/2015/main" val="1"/>
+              </p:ext>
+            </p:extLst>
+          </p:nvPr>
+        </p:nvSpPr>
+        <p:spPr>
+          <a:xfrm>
+            <a:off x="11401725" y="6229681"/>
+            <a:ext cx="457200" cy="457200"/>
+          </a:xfrm>
+          <a:prstGeom prst="ellipse">
+            <a:avLst/>
+          </a:prstGeom>
+          <a:blipFill dpi="0" rotWithShape="1">
+            <a:blip r:embed="rId5">
+              <a:duotone>
+                <a:schemeClr val="accent1">
+                  <a:shade val="45000"/>
+                  <a:satMod val="135000"/>
+                </a:schemeClr>
+                <a:prstClr val="white"/>
+              </a:duotone>
+            </a:blip>
+            <a:srcRect/>
+            <a:tile tx="50800" ty="0" sx="85000" sy="85000" flip="none" algn="tl"/>
+          </a:blipFill>
+          <a:ln w="25400" cap="flat" cmpd="sng" algn="ctr">
+            <a:noFill/>
+            <a:prstDash val="solid"/>
+          </a:ln>
+          <a:effectLst/>
+        </p:spPr>
+        <p:txBody>
+          <a:bodyPr lIns="0" tIns="0" rIns="0" bIns="0" rtlCol="0" anchor="ctr"/>
+          <a:lstStyle/>
+          <a:p>
+            <a:pPr marL="0" marR="0" lvl="0" indent="0" algn="ctr" defTabSz="914400" eaLnBrk="1" fontAlgn="auto" latinLnBrk="0" hangingPunct="1">
+              <a:lnSpc>
+                <a:spcPct val="100000"/>
+              </a:lnSpc>
+              <a:spcBef>
+                <a:spcPts val="0"/>
+              </a:spcBef>
+              <a:spcAft>
+                <a:spcPts val="0"/>
+              </a:spcAft>
+              <a:buClrTx/>
+              <a:buSzTx/>
+              <a:buFontTx/>
+              <a:buNone/>
+              <a:tabLst/>
+              <a:defRPr/>
+            </a:pPr>
+            <a:endParaRPr kumimoji="0" lang="en-US" sz="2000" b="0" i="0" u="none" strike="noStrike" kern="0" cap="none" spc="0" normalizeH="0" baseline="0" noProof="0" dirty="0">
+              <a:ln>
+                <a:noFill/>
+              </a:ln>
+              <a:solidFill>
+                <a:prstClr val="white"/>
+              </a:solidFill>
+              <a:effectLst/>
+              <a:uLnTx/>
+              <a:uFillTx/>
+              <a:latin typeface="Rockwell Extra Bold" pitchFamily="18" charset="0"/>
+              <a:ea typeface="+mn-ea"/>
+              <a:cs typeface="+mn-cs"/>
+            </a:endParaRPr>
+          </a:p>
+        </p:txBody>
+      </p:sp>
+      <p:sp>
+        <p:nvSpPr>
+          <p:cNvPr id="22" name="Oval 21">
+            <a:extLst>
+              <a:ext uri="{FF2B5EF4-FFF2-40B4-BE49-F238E27FC236}">
+                <a16:creationId xmlns:a16="http://schemas.microsoft.com/office/drawing/2014/main" id="{04E48745-7512-4EC2-9E20-9092D12150CA}"/>
+              </a:ext>
+              <a:ext uri="{C183D7F6-B498-43B3-948B-1728B52AA6E4}">
+                <adec:decorative xmlns:adec="http://schemas.microsoft.com/office/drawing/2017/decorative" val="1"/>
+              </a:ext>
+            </a:extLst>
+          </p:cNvPr>
+          <p:cNvSpPr>
+            <a:spLocks noGrp="1" noRot="1" noChangeAspect="1" noMove="1" noResize="1" noEditPoints="1" noAdjustHandles="1" noChangeArrowheads="1" noChangeShapeType="1" noTextEdit="1"/>
+          </p:cNvSpPr>
+          <p:nvPr>
+            <p:extLst>
+              <p:ext uri="{386F3935-93C4-4BCD-93E2-E3B085C9AB24}">
+                <p16:designElem xmlns:p16="http://schemas.microsoft.com/office/powerpoint/2015/main" val="1"/>
+              </p:ext>
+            </p:extLst>
+          </p:nvPr>
+        </p:nvSpPr>
+        <p:spPr>
+          <a:xfrm>
+            <a:off x="11430918" y="6258874"/>
+            <a:ext cx="398813" cy="398815"/>
+          </a:xfrm>
+          <a:prstGeom prst="ellipse">
+            <a:avLst/>
+          </a:prstGeom>
+          <a:noFill/>
+          <a:ln w="12700" cap="flat" cmpd="sng" algn="ctr">
+            <a:solidFill>
+              <a:srgbClr val="FFFFFF"/>
+            </a:solidFill>
+            <a:prstDash val="solid"/>
+          </a:ln>
+          <a:effectLst/>
+        </p:spPr>
+        <p:txBody>
+          <a:bodyPr rtlCol="0" anchor="ctr"/>
+          <a:lstStyle/>
+          <a:p>
+            <a:pPr marL="0" marR="0" lvl="0" indent="0" algn="ctr" defTabSz="914400" eaLnBrk="1" fontAlgn="auto" latinLnBrk="0" hangingPunct="1">
+              <a:lnSpc>
+                <a:spcPct val="100000"/>
+              </a:lnSpc>
+              <a:spcBef>
+                <a:spcPts val="0"/>
+              </a:spcBef>
+              <a:spcAft>
+                <a:spcPts val="0"/>
+              </a:spcAft>
+              <a:buClrTx/>
+              <a:buSzTx/>
+              <a:buFontTx/>
+              <a:buNone/>
+              <a:tabLst/>
+              <a:defRPr/>
+            </a:pPr>
+            <a:endParaRPr kumimoji="0" lang="en-US" sz="1800" b="0" i="0" u="none" strike="noStrike" kern="0" cap="none" spc="0" normalizeH="0" baseline="0" noProof="0" dirty="0">
+              <a:ln>
+                <a:noFill/>
+              </a:ln>
+              <a:solidFill>
+                <a:prstClr val="white"/>
+              </a:solidFill>
+              <a:effectLst/>
+              <a:uLnTx/>
+              <a:uFillTx/>
+              <a:latin typeface="Calibri"/>
+              <a:ea typeface="+mn-ea"/>
+              <a:cs typeface="+mn-cs"/>
+            </a:endParaRPr>
+          </a:p>
+        </p:txBody>
+      </p:sp>
+    </p:spTree>
+    <p:extLst>
+      <p:ext uri="{BB962C8B-B14F-4D97-AF65-F5344CB8AC3E}">
+        <p14:creationId xmlns:p14="http://schemas.microsoft.com/office/powerpoint/2010/main" val="2010924886"/>
+      </p:ext>
+    </p:extLst>
+  </p:cSld>
+  <p:clrMapOvr>
+    <a:masterClrMapping/>
+  </p:clrMapOvr>
+</p:sld>
+</file>
+
+<file path=ppt/slides/slide9.xml><?xml version="1.0" encoding="utf-8"?>
 <p:sld xmlns:a="http://schemas.openxmlformats.org/drawingml/2006/main" xmlns:r="http://schemas.openxmlformats.org/officeDocument/2006/relationships" xmlns:p="http://schemas.openxmlformats.org/presentationml/2006/main">
   <p:cSld>
     <p:spTree>
@@ -23572,192 +24811,6 @@
     <p:extLst>
       <p:ext uri="{BB962C8B-B14F-4D97-AF65-F5344CB8AC3E}">
         <p14:creationId xmlns:p14="http://schemas.microsoft.com/office/powerpoint/2010/main" val="1479840453"/>
-      </p:ext>
-    </p:extLst>
-  </p:cSld>
-  <p:clrMapOvr>
-    <a:masterClrMapping/>
-  </p:clrMapOvr>
-</p:sld>
-</file>
-
-<file path=ppt/slides/slide9.xml><?xml version="1.0" encoding="utf-8"?>
-<p:sld xmlns:a="http://schemas.openxmlformats.org/drawingml/2006/main" xmlns:r="http://schemas.openxmlformats.org/officeDocument/2006/relationships" xmlns:p="http://schemas.openxmlformats.org/presentationml/2006/main">
-  <p:cSld>
-    <p:bg>
-      <p:bgPr>
-        <a:solidFill>
-          <a:schemeClr val="bg1"/>
-        </a:solidFill>
-        <a:effectLst/>
-      </p:bgPr>
-    </p:bg>
-    <p:spTree>
-      <p:nvGrpSpPr>
-        <p:cNvPr id="1" name=""/>
-        <p:cNvGrpSpPr/>
-        <p:nvPr/>
-      </p:nvGrpSpPr>
-      <p:grpSpPr>
-        <a:xfrm>
-          <a:off x="0" y="0"/>
-          <a:ext cx="0" cy="0"/>
-          <a:chOff x="0" y="0"/>
-          <a:chExt cx="0" cy="0"/>
-        </a:xfrm>
-      </p:grpSpPr>
-      <p:sp>
-        <p:nvSpPr>
-          <p:cNvPr id="2" name="Title 1">
-            <a:extLst>
-              <a:ext uri="{FF2B5EF4-FFF2-40B4-BE49-F238E27FC236}">
-                <a16:creationId xmlns:a16="http://schemas.microsoft.com/office/drawing/2014/main" id="{59345CD4-5F6C-465E-8589-69A86ACE7A4C}"/>
-              </a:ext>
-            </a:extLst>
-          </p:cNvPr>
-          <p:cNvSpPr>
-            <a:spLocks noGrp="1"/>
-          </p:cNvSpPr>
-          <p:nvPr>
-            <p:ph type="title"/>
-          </p:nvPr>
-        </p:nvSpPr>
-        <p:spPr>
-          <a:xfrm>
-            <a:off x="1069848" y="484632"/>
-            <a:ext cx="10058400" cy="1609344"/>
-          </a:xfrm>
-        </p:spPr>
-        <p:txBody>
-          <a:bodyPr>
-            <a:normAutofit/>
-          </a:bodyPr>
-          <a:lstStyle/>
-          <a:p>
-            <a:r>
-              <a:rPr lang="en-US" dirty="0"/>
-              <a:t>Challenges</a:t>
-            </a:r>
-          </a:p>
-        </p:txBody>
-      </p:sp>
-      <p:sp>
-        <p:nvSpPr>
-          <p:cNvPr id="9" name="Rectangle 8">
-            <a:extLst>
-              <a:ext uri="{FF2B5EF4-FFF2-40B4-BE49-F238E27FC236}">
-                <a16:creationId xmlns:a16="http://schemas.microsoft.com/office/drawing/2014/main" id="{3FD711E9-7F79-40A9-8D9E-4AE293C154A5}"/>
-              </a:ext>
-              <a:ext uri="{C183D7F6-B498-43B3-948B-1728B52AA6E4}">
-                <adec:decorative xmlns:adec="http://schemas.microsoft.com/office/drawing/2017/decorative" val="1"/>
-              </a:ext>
-            </a:extLst>
-          </p:cNvPr>
-          <p:cNvSpPr>
-            <a:spLocks noGrp="1" noRot="1" noChangeAspect="1" noMove="1" noResize="1" noEditPoints="1" noAdjustHandles="1" noChangeArrowheads="1" noChangeShapeType="1" noTextEdit="1"/>
-          </p:cNvSpPr>
-          <p:nvPr>
-            <p:extLst>
-              <p:ext uri="{386F3935-93C4-4BCD-93E2-E3B085C9AB24}">
-                <p16:designElem xmlns:p16="http://schemas.microsoft.com/office/powerpoint/2015/main" val="1"/>
-              </p:ext>
-            </p:extLst>
-          </p:nvPr>
-        </p:nvSpPr>
-        <p:spPr>
-          <a:xfrm>
-            <a:off x="1066800" y="2013293"/>
-            <a:ext cx="10058400" cy="80683"/>
-          </a:xfrm>
-          <a:prstGeom prst="rect">
-            <a:avLst/>
-          </a:prstGeom>
-          <a:blipFill dpi="0" rotWithShape="1">
-            <a:blip r:embed="rId2">
-              <a:alphaModFix amt="85000"/>
-              <a:lum bright="70000" contrast="-70000"/>
-              <a:extLst>
-                <a:ext uri="{BEBA8EAE-BF5A-486C-A8C5-ECC9F3942E4B}">
-                  <a14:imgProps xmlns:a14="http://schemas.microsoft.com/office/drawing/2010/main">
-                    <a14:imgLayer r:embed="rId3">
-                      <a14:imgEffect>
-                        <a14:sharpenSoften amount="61000"/>
-                      </a14:imgEffect>
-                    </a14:imgLayer>
-                  </a14:imgProps>
-                </a:ext>
-                <a:ext uri="{28A0092B-C50C-407E-A947-70E740481C1C}">
-                  <a14:useLocalDpi xmlns:a14="http://schemas.microsoft.com/office/drawing/2010/main" val="0"/>
-                </a:ext>
-              </a:extLst>
-            </a:blip>
-            <a:srcRect/>
-            <a:tile tx="0" ty="-762000" sx="92000" sy="89000" flip="xy" algn="ctr"/>
-          </a:blipFill>
-          <a:ln>
-            <a:noFill/>
-          </a:ln>
-        </p:spPr>
-        <p:style>
-          <a:lnRef idx="2">
-            <a:schemeClr val="accent1">
-              <a:shade val="50000"/>
-            </a:schemeClr>
-          </a:lnRef>
-          <a:fillRef idx="1">
-            <a:schemeClr val="accent1"/>
-          </a:fillRef>
-          <a:effectRef idx="0">
-            <a:schemeClr val="accent1"/>
-          </a:effectRef>
-          <a:fontRef idx="minor">
-            <a:schemeClr val="lt1"/>
-          </a:fontRef>
-        </p:style>
-        <p:txBody>
-          <a:bodyPr rtlCol="0" anchor="ctr"/>
-          <a:lstStyle/>
-          <a:p>
-            <a:pPr algn="ctr"/>
-            <a:endParaRPr lang="en-US"/>
-          </a:p>
-        </p:txBody>
-      </p:sp>
-      <p:graphicFrame>
-        <p:nvGraphicFramePr>
-          <p:cNvPr id="5" name="Content Placeholder 2">
-            <a:extLst>
-              <a:ext uri="{FF2B5EF4-FFF2-40B4-BE49-F238E27FC236}">
-                <a16:creationId xmlns:a16="http://schemas.microsoft.com/office/drawing/2014/main" id="{D96D5538-4A98-488A-9C94-0B61BE77661D}"/>
-              </a:ext>
-            </a:extLst>
-          </p:cNvPr>
-          <p:cNvGraphicFramePr>
-            <a:graphicFrameLocks noGrp="1"/>
-          </p:cNvGraphicFramePr>
-          <p:nvPr>
-            <p:ph idx="1"/>
-            <p:extLst>
-              <p:ext uri="{D42A27DB-BD31-4B8C-83A1-F6EECF244321}">
-                <p14:modId xmlns:p14="http://schemas.microsoft.com/office/powerpoint/2010/main" val="347271836"/>
-              </p:ext>
-            </p:extLst>
-          </p:nvPr>
-        </p:nvGraphicFramePr>
-        <p:xfrm>
-          <a:off x="1069975" y="2385390"/>
-          <a:ext cx="10058400" cy="3617845"/>
-        </p:xfrm>
-        <a:graphic>
-          <a:graphicData uri="http://schemas.openxmlformats.org/drawingml/2006/diagram">
-            <dgm:relIds xmlns:dgm="http://schemas.openxmlformats.org/drawingml/2006/diagram" xmlns:r="http://schemas.openxmlformats.org/officeDocument/2006/relationships" r:dm="rId4" r:lo="rId5" r:qs="rId6" r:cs="rId7"/>
-          </a:graphicData>
-        </a:graphic>
-      </p:graphicFrame>
-    </p:spTree>
-    <p:extLst>
-      <p:ext uri="{BB962C8B-B14F-4D97-AF65-F5344CB8AC3E}">
-        <p14:creationId xmlns:p14="http://schemas.microsoft.com/office/powerpoint/2010/main" val="1359002665"/>
       </p:ext>
     </p:extLst>
   </p:cSld>

--- a/Project Presentation.pptx
+++ b/Project Presentation.pptx
@@ -5898,8 +5898,16 @@
         <a:lstStyle/>
         <a:p>
           <a:r>
-            <a:rPr lang="en-US"/>
-            <a:t>Getting the keylogger to send emails to the gmail account</a:t>
+            <a:rPr lang="en-US" dirty="0"/>
+            <a:t>Getting the keylogger to send emails to the </a:t>
+          </a:r>
+          <a:r>
+            <a:rPr lang="en-US" dirty="0" err="1"/>
+            <a:t>gmail</a:t>
+          </a:r>
+          <a:r>
+            <a:rPr lang="en-US" dirty="0"/>
+            <a:t> account</a:t>
           </a:r>
         </a:p>
       </dgm:t>
@@ -5937,7 +5945,7 @@
         <a:lstStyle/>
         <a:p>
           <a:r>
-            <a:rPr lang="en-US"/>
+            <a:rPr lang="en-US" dirty="0"/>
             <a:t>Gmail has extra security measures that had to be disabled</a:t>
           </a:r>
         </a:p>
@@ -5973,7 +5981,7 @@
         <a:lstStyle/>
         <a:p>
           <a:r>
-            <a:rPr lang="en-US"/>
+            <a:rPr lang="en-US" dirty="0"/>
             <a:t>Getting the Program to capture screen shots of the user's screen</a:t>
           </a:r>
         </a:p>
@@ -6116,7 +6124,7 @@
   <dgm:whole/>
   <dgm:extLst>
     <a:ext uri="http://schemas.microsoft.com/office/drawing/2008/diagram">
-      <dsp:dataModelExt xmlns:dsp="http://schemas.microsoft.com/office/drawing/2008/diagram" relId="rId8" minVer="http://schemas.openxmlformats.org/drawingml/2006/diagram"/>
+      <dsp:dataModelExt xmlns:dsp="http://schemas.microsoft.com/office/drawing/2008/diagram" relId="rId9" minVer="http://schemas.openxmlformats.org/drawingml/2006/diagram"/>
     </a:ext>
   </dgm:extLst>
 </dgm:dataModel>
@@ -6620,7 +6628,7 @@
   <dgm:whole/>
   <dgm:extLst>
     <a:ext uri="http://schemas.microsoft.com/office/drawing/2008/diagram">
-      <dsp:dataModelExt xmlns:dsp="http://schemas.microsoft.com/office/drawing/2008/diagram" relId="rId8" minVer="http://schemas.openxmlformats.org/drawingml/2006/diagram"/>
+      <dsp:dataModelExt xmlns:dsp="http://schemas.microsoft.com/office/drawing/2008/diagram" relId="rId9" minVer="http://schemas.openxmlformats.org/drawingml/2006/diagram"/>
     </a:ext>
   </dgm:extLst>
 </dgm:dataModel>
@@ -6756,7 +6764,7 @@
         <a:lstStyle/>
         <a:p>
           <a:r>
-            <a:rPr lang="en-US"/>
+            <a:rPr lang="en-US" dirty="0"/>
             <a:t>Anti-spyware programs (for software keyloggers)</a:t>
           </a:r>
         </a:p>
@@ -8177,8 +8185,16 @@
             <a:buNone/>
           </a:pPr>
           <a:r>
-            <a:rPr lang="en-US" sz="2300" kern="1200"/>
-            <a:t>Getting the keylogger to send emails to the gmail account</a:t>
+            <a:rPr lang="en-US" sz="2300" kern="1200" dirty="0"/>
+            <a:t>Getting the keylogger to send emails to the </a:t>
+          </a:r>
+          <a:r>
+            <a:rPr lang="en-US" sz="2300" kern="1200" dirty="0" err="1"/>
+            <a:t>gmail</a:t>
+          </a:r>
+          <a:r>
+            <a:rPr lang="en-US" sz="2300" kern="1200" dirty="0"/>
+            <a:t> account</a:t>
           </a:r>
         </a:p>
         <a:p>
@@ -8195,7 +8211,7 @@
             <a:buChar char="•"/>
           </a:pPr>
           <a:r>
-            <a:rPr lang="en-US" sz="1800" kern="1200"/>
+            <a:rPr lang="en-US" sz="1800" kern="1200" dirty="0"/>
             <a:t>Gmail has extra security measures that had to be disabled</a:t>
           </a:r>
         </a:p>
@@ -8400,7 +8416,7 @@
             <a:buNone/>
           </a:pPr>
           <a:r>
-            <a:rPr lang="en-US" sz="2300" kern="1200"/>
+            <a:rPr lang="en-US" sz="2300" kern="1200" dirty="0"/>
             <a:t>Getting the Program to capture screen shots of the user's screen</a:t>
           </a:r>
         </a:p>
@@ -9286,7 +9302,7 @@
             <a:buNone/>
           </a:pPr>
           <a:r>
-            <a:rPr lang="en-US" sz="2500" kern="1200"/>
+            <a:rPr lang="en-US" sz="2500" kern="1200" dirty="0"/>
             <a:t>Anti-spyware programs (for software keyloggers)</a:t>
           </a:r>
         </a:p>
@@ -17002,7 +17018,7 @@
           <a:p>
             <a:fld id="{573D0F86-F2C9-48AA-A4D8-857AD85DB1AB}" type="datetimeFigureOut">
               <a:rPr lang="en-US" smtClean="0"/>
-              <a:t>4/30/2021</a:t>
+              <a:t>2021-05-04</a:t>
             </a:fld>
             <a:endParaRPr lang="en-US"/>
           </a:p>
@@ -17313,9 +17329,805 @@
           <a:bodyPr/>
           <a:lstStyle/>
           <a:p>
+            <a:endParaRPr lang="en-US" dirty="0"/>
+          </a:p>
+        </p:txBody>
+      </p:sp>
+      <p:sp>
+        <p:nvSpPr>
+          <p:cNvPr id="4" name="Slide Number Placeholder 3"/>
+          <p:cNvSpPr>
+            <a:spLocks noGrp="1"/>
+          </p:cNvSpPr>
+          <p:nvPr>
+            <p:ph type="sldNum" sz="quarter" idx="5"/>
+          </p:nvPr>
+        </p:nvSpPr>
+        <p:spPr/>
+        <p:txBody>
+          <a:bodyPr/>
+          <a:lstStyle/>
+          <a:p>
+            <a:fld id="{CE989B39-9896-4416-8F69-B5D2DF855C70}" type="slidenum">
+              <a:rPr lang="en-US" smtClean="0"/>
+              <a:t>5</a:t>
+            </a:fld>
+            <a:endParaRPr lang="en-US"/>
+          </a:p>
+        </p:txBody>
+      </p:sp>
+    </p:spTree>
+    <p:extLst>
+      <p:ext uri="{BB962C8B-B14F-4D97-AF65-F5344CB8AC3E}">
+        <p14:creationId xmlns:p14="http://schemas.microsoft.com/office/powerpoint/2010/main" val="129367941"/>
+      </p:ext>
+    </p:extLst>
+  </p:cSld>
+  <p:clrMapOvr>
+    <a:masterClrMapping/>
+  </p:clrMapOvr>
+</p:notes>
+</file>
+
+<file path=ppt/notesSlides/notesSlide2.xml><?xml version="1.0" encoding="utf-8"?>
+<p:notes xmlns:a="http://schemas.openxmlformats.org/drawingml/2006/main" xmlns:r="http://schemas.openxmlformats.org/officeDocument/2006/relationships" xmlns:p="http://schemas.openxmlformats.org/presentationml/2006/main">
+  <p:cSld>
+    <p:spTree>
+      <p:nvGrpSpPr>
+        <p:cNvPr id="1" name=""/>
+        <p:cNvGrpSpPr/>
+        <p:nvPr/>
+      </p:nvGrpSpPr>
+      <p:grpSpPr>
+        <a:xfrm>
+          <a:off x="0" y="0"/>
+          <a:ext cx="0" cy="0"/>
+          <a:chOff x="0" y="0"/>
+          <a:chExt cx="0" cy="0"/>
+        </a:xfrm>
+      </p:grpSpPr>
+      <p:sp>
+        <p:nvSpPr>
+          <p:cNvPr id="2" name="Slide Image Placeholder 1"/>
+          <p:cNvSpPr>
+            <a:spLocks noGrp="1" noRot="1" noChangeAspect="1"/>
+          </p:cNvSpPr>
+          <p:nvPr>
+            <p:ph type="sldImg"/>
+          </p:nvPr>
+        </p:nvSpPr>
+        <p:spPr/>
+      </p:sp>
+      <p:sp>
+        <p:nvSpPr>
+          <p:cNvPr id="3" name="Notes Placeholder 2"/>
+          <p:cNvSpPr>
+            <a:spLocks noGrp="1"/>
+          </p:cNvSpPr>
+          <p:nvPr>
+            <p:ph type="body" idx="1"/>
+          </p:nvPr>
+        </p:nvSpPr>
+        <p:spPr/>
+        <p:txBody>
+          <a:bodyPr/>
+          <a:lstStyle/>
+          <a:p>
+            <a:pPr marL="0" marR="0" lvl="0" indent="0" algn="l" defTabSz="914400" rtl="0" eaLnBrk="1" fontAlgn="auto" latinLnBrk="0" hangingPunct="1">
+              <a:lnSpc>
+                <a:spcPct val="100000"/>
+              </a:lnSpc>
+              <a:spcBef>
+                <a:spcPts val="0"/>
+              </a:spcBef>
+              <a:spcAft>
+                <a:spcPts val="0"/>
+              </a:spcAft>
+              <a:buClrTx/>
+              <a:buSzTx/>
+              <a:buFontTx/>
+              <a:buNone/>
+              <a:tabLst/>
+              <a:defRPr/>
+            </a:pPr>
+            <a:r>
+              <a:rPr lang="en-US" sz="1800" dirty="0"/>
+              <a:t>Storing email contents</a:t>
+            </a:r>
+          </a:p>
+          <a:p>
+            <a:pPr marL="0" marR="0" lvl="0" indent="0" algn="l" defTabSz="914400" rtl="0" eaLnBrk="1" fontAlgn="auto" latinLnBrk="0" hangingPunct="1">
+              <a:lnSpc>
+                <a:spcPct val="100000"/>
+              </a:lnSpc>
+              <a:spcBef>
+                <a:spcPts val="0"/>
+              </a:spcBef>
+              <a:spcAft>
+                <a:spcPts val="0"/>
+              </a:spcAft>
+              <a:buClrTx/>
+              <a:buSzTx/>
+              <a:buFontTx/>
+              <a:buNone/>
+              <a:tabLst/>
+              <a:defRPr/>
+            </a:pPr>
+            <a:r>
+              <a:rPr lang="en-US" sz="1800" dirty="0"/>
+              <a:t>Storing key output values</a:t>
+            </a:r>
+          </a:p>
+          <a:p>
+            <a:pPr marL="0" marR="0" lvl="0" indent="0" algn="l" defTabSz="914400" rtl="0" eaLnBrk="1" fontAlgn="auto" latinLnBrk="0" hangingPunct="1">
+              <a:lnSpc>
+                <a:spcPct val="100000"/>
+              </a:lnSpc>
+              <a:spcBef>
+                <a:spcPts val="0"/>
+              </a:spcBef>
+              <a:spcAft>
+                <a:spcPts val="0"/>
+              </a:spcAft>
+              <a:buClrTx/>
+              <a:buSzTx/>
+              <a:buFontTx/>
+              <a:buNone/>
+              <a:tabLst/>
+              <a:defRPr/>
+            </a:pPr>
+            <a:r>
+              <a:rPr lang="en-US" sz="1800" dirty="0"/>
+              <a:t>Setting email char limit</a:t>
+            </a:r>
+          </a:p>
+          <a:p>
+            <a:r>
+              <a:rPr lang="en-US" sz="1800" dirty="0"/>
+              <a:t>-50 for testing</a:t>
+            </a:r>
+          </a:p>
+          <a:p>
+            <a:endParaRPr lang="en-US" sz="1800" dirty="0"/>
+          </a:p>
+          <a:p>
+            <a:r>
+              <a:rPr lang="en-US" sz="1800" dirty="0"/>
+              <a:t>Starting at line 17, and going to line 86, </a:t>
+            </a:r>
+            <a:r>
+              <a:rPr lang="en-US" sz="1800" dirty="0" err="1"/>
+              <a:t>on_press</a:t>
+            </a:r>
+            <a:r>
+              <a:rPr lang="en-US" sz="1800" dirty="0"/>
+              <a:t>(key)</a:t>
+            </a:r>
+          </a:p>
+          <a:p>
+            <a:r>
+              <a:rPr lang="en-US" sz="1800" dirty="0"/>
+              <a:t>-</a:t>
+            </a:r>
+            <a:r>
+              <a:rPr lang="en-US" sz="1600" dirty="0"/>
+              <a:t>Collects input of the keys a user presses</a:t>
+            </a:r>
+          </a:p>
+          <a:p>
+            <a:r>
+              <a:rPr lang="en-US" sz="1600" dirty="0"/>
+              <a:t>-Translates into an easily readable format (</a:t>
+            </a:r>
+            <a:r>
+              <a:rPr lang="en-US" sz="1600" dirty="0" err="1"/>
+              <a:t>ie</a:t>
+            </a:r>
+            <a:r>
+              <a:rPr lang="en-US" sz="1600" dirty="0"/>
+              <a:t> Key.f1 -&gt; [F1])</a:t>
+            </a:r>
+          </a:p>
+          <a:p>
+            <a:endParaRPr lang="en-US" sz="1600" dirty="0"/>
+          </a:p>
+          <a:p>
+            <a:r>
+              <a:rPr lang="en-US" sz="1800" dirty="0"/>
+              <a:t>Line 34 checks to see if the email limit has been reached</a:t>
+            </a:r>
+          </a:p>
+          <a:p>
+            <a:r>
+              <a:rPr lang="en-US" sz="1600" dirty="0"/>
+              <a:t>-if reached or surpassed, sends an email</a:t>
+            </a:r>
+          </a:p>
+        </p:txBody>
+      </p:sp>
+      <p:sp>
+        <p:nvSpPr>
+          <p:cNvPr id="4" name="Slide Number Placeholder 3"/>
+          <p:cNvSpPr>
+            <a:spLocks noGrp="1"/>
+          </p:cNvSpPr>
+          <p:nvPr>
+            <p:ph type="sldNum" sz="quarter" idx="5"/>
+          </p:nvPr>
+        </p:nvSpPr>
+        <p:spPr/>
+        <p:txBody>
+          <a:bodyPr/>
+          <a:lstStyle/>
+          <a:p>
+            <a:fld id="{CE989B39-9896-4416-8F69-B5D2DF855C70}" type="slidenum">
+              <a:rPr lang="en-US" smtClean="0"/>
+              <a:t>7</a:t>
+            </a:fld>
+            <a:endParaRPr lang="en-US"/>
+          </a:p>
+        </p:txBody>
+      </p:sp>
+    </p:spTree>
+    <p:extLst>
+      <p:ext uri="{BB962C8B-B14F-4D97-AF65-F5344CB8AC3E}">
+        <p14:creationId xmlns:p14="http://schemas.microsoft.com/office/powerpoint/2010/main" val="215316414"/>
+      </p:ext>
+    </p:extLst>
+  </p:cSld>
+  <p:clrMapOvr>
+    <a:masterClrMapping/>
+  </p:clrMapOvr>
+</p:notes>
+</file>
+
+<file path=ppt/notesSlides/notesSlide3.xml><?xml version="1.0" encoding="utf-8"?>
+<p:notes xmlns:a="http://schemas.openxmlformats.org/drawingml/2006/main" xmlns:r="http://schemas.openxmlformats.org/officeDocument/2006/relationships" xmlns:p="http://schemas.openxmlformats.org/presentationml/2006/main">
+  <p:cSld>
+    <p:spTree>
+      <p:nvGrpSpPr>
+        <p:cNvPr id="1" name=""/>
+        <p:cNvGrpSpPr/>
+        <p:nvPr/>
+      </p:nvGrpSpPr>
+      <p:grpSpPr>
+        <a:xfrm>
+          <a:off x="0" y="0"/>
+          <a:ext cx="0" cy="0"/>
+          <a:chOff x="0" y="0"/>
+          <a:chExt cx="0" cy="0"/>
+        </a:xfrm>
+      </p:grpSpPr>
+      <p:sp>
+        <p:nvSpPr>
+          <p:cNvPr id="2" name="Slide Image Placeholder 1"/>
+          <p:cNvSpPr>
+            <a:spLocks noGrp="1" noRot="1" noChangeAspect="1"/>
+          </p:cNvSpPr>
+          <p:nvPr>
+            <p:ph type="sldImg"/>
+          </p:nvPr>
+        </p:nvSpPr>
+        <p:spPr/>
+      </p:sp>
+      <p:sp>
+        <p:nvSpPr>
+          <p:cNvPr id="3" name="Notes Placeholder 2"/>
+          <p:cNvSpPr>
+            <a:spLocks noGrp="1"/>
+          </p:cNvSpPr>
+          <p:nvPr>
+            <p:ph type="body" idx="1"/>
+          </p:nvPr>
+        </p:nvSpPr>
+        <p:spPr/>
+        <p:txBody>
+          <a:bodyPr/>
+          <a:lstStyle/>
+          <a:p>
             <a:r>
               <a:rPr lang="en-US" dirty="0"/>
-              <a:t>Important websites are like banking websites</a:t>
+              <a:t>sends the email to our </a:t>
+            </a:r>
+            <a:r>
+              <a:rPr lang="en-US" dirty="0" err="1"/>
+              <a:t>gmail</a:t>
+            </a:r>
+            <a:r>
+              <a:rPr lang="en-US" dirty="0"/>
+              <a:t> account created for the keylogger</a:t>
+            </a:r>
+          </a:p>
+          <a:p>
+            <a:endParaRPr lang="en-US" dirty="0"/>
+          </a:p>
+          <a:p>
+            <a:r>
+              <a:rPr lang="en-US" dirty="0"/>
+              <a:t>Listener with </a:t>
+            </a:r>
+            <a:r>
+              <a:rPr lang="en-US" dirty="0" err="1"/>
+              <a:t>onpress</a:t>
+            </a:r>
+            <a:r>
+              <a:rPr lang="en-US" dirty="0"/>
+              <a:t> used to collect keyboard events</a:t>
+            </a:r>
+          </a:p>
+        </p:txBody>
+      </p:sp>
+      <p:sp>
+        <p:nvSpPr>
+          <p:cNvPr id="4" name="Slide Number Placeholder 3"/>
+          <p:cNvSpPr>
+            <a:spLocks noGrp="1"/>
+          </p:cNvSpPr>
+          <p:nvPr>
+            <p:ph type="sldNum" sz="quarter" idx="5"/>
+          </p:nvPr>
+        </p:nvSpPr>
+        <p:spPr/>
+        <p:txBody>
+          <a:bodyPr/>
+          <a:lstStyle/>
+          <a:p>
+            <a:fld id="{CE989B39-9896-4416-8F69-B5D2DF855C70}" type="slidenum">
+              <a:rPr lang="en-US" smtClean="0"/>
+              <a:t>8</a:t>
+            </a:fld>
+            <a:endParaRPr lang="en-US"/>
+          </a:p>
+        </p:txBody>
+      </p:sp>
+    </p:spTree>
+    <p:extLst>
+      <p:ext uri="{BB962C8B-B14F-4D97-AF65-F5344CB8AC3E}">
+        <p14:creationId xmlns:p14="http://schemas.microsoft.com/office/powerpoint/2010/main" val="225436227"/>
+      </p:ext>
+    </p:extLst>
+  </p:cSld>
+  <p:clrMapOvr>
+    <a:masterClrMapping/>
+  </p:clrMapOvr>
+</p:notes>
+</file>
+
+<file path=ppt/notesSlides/notesSlide4.xml><?xml version="1.0" encoding="utf-8"?>
+<p:notes xmlns:a="http://schemas.openxmlformats.org/drawingml/2006/main" xmlns:r="http://schemas.openxmlformats.org/officeDocument/2006/relationships" xmlns:p="http://schemas.openxmlformats.org/presentationml/2006/main">
+  <p:cSld>
+    <p:spTree>
+      <p:nvGrpSpPr>
+        <p:cNvPr id="1" name=""/>
+        <p:cNvGrpSpPr/>
+        <p:nvPr/>
+      </p:nvGrpSpPr>
+      <p:grpSpPr>
+        <a:xfrm>
+          <a:off x="0" y="0"/>
+          <a:ext cx="0" cy="0"/>
+          <a:chOff x="0" y="0"/>
+          <a:chExt cx="0" cy="0"/>
+        </a:xfrm>
+      </p:grpSpPr>
+      <p:sp>
+        <p:nvSpPr>
+          <p:cNvPr id="2" name="Slide Image Placeholder 1"/>
+          <p:cNvSpPr>
+            <a:spLocks noGrp="1" noRot="1" noChangeAspect="1"/>
+          </p:cNvSpPr>
+          <p:nvPr>
+            <p:ph type="sldImg"/>
+          </p:nvPr>
+        </p:nvSpPr>
+        <p:spPr/>
+      </p:sp>
+      <p:sp>
+        <p:nvSpPr>
+          <p:cNvPr id="3" name="Notes Placeholder 2"/>
+          <p:cNvSpPr>
+            <a:spLocks noGrp="1"/>
+          </p:cNvSpPr>
+          <p:nvPr>
+            <p:ph type="body" idx="1"/>
+          </p:nvPr>
+        </p:nvSpPr>
+        <p:spPr/>
+        <p:txBody>
+          <a:bodyPr/>
+          <a:lstStyle/>
+          <a:p>
+            <a:r>
+              <a:rPr lang="en-US" dirty="0"/>
+              <a:t>-quick little example of how it works</a:t>
+            </a:r>
+          </a:p>
+          <a:p>
+            <a:r>
+              <a:rPr lang="en-US" dirty="0"/>
+              <a:t>-victim has typed into the google </a:t>
+            </a:r>
+            <a:r>
+              <a:rPr lang="en-US" dirty="0" err="1"/>
+              <a:t>searchbar</a:t>
+            </a:r>
+            <a:r>
+              <a:rPr lang="en-US" dirty="0"/>
+              <a:t> while keylogger is active</a:t>
+            </a:r>
+          </a:p>
+          <a:p>
+            <a:r>
+              <a:rPr lang="en-US" dirty="0"/>
+              <a:t>-after 50 chars (52 to be exact), keylogger sent an email of what victim typed</a:t>
+            </a:r>
+          </a:p>
+        </p:txBody>
+      </p:sp>
+      <p:sp>
+        <p:nvSpPr>
+          <p:cNvPr id="4" name="Slide Number Placeholder 3"/>
+          <p:cNvSpPr>
+            <a:spLocks noGrp="1"/>
+          </p:cNvSpPr>
+          <p:nvPr>
+            <p:ph type="sldNum" sz="quarter" idx="5"/>
+          </p:nvPr>
+        </p:nvSpPr>
+        <p:spPr/>
+        <p:txBody>
+          <a:bodyPr/>
+          <a:lstStyle/>
+          <a:p>
+            <a:fld id="{CE989B39-9896-4416-8F69-B5D2DF855C70}" type="slidenum">
+              <a:rPr lang="en-US" smtClean="0"/>
+              <a:t>9</a:t>
+            </a:fld>
+            <a:endParaRPr lang="en-US"/>
+          </a:p>
+        </p:txBody>
+      </p:sp>
+    </p:spTree>
+    <p:extLst>
+      <p:ext uri="{BB962C8B-B14F-4D97-AF65-F5344CB8AC3E}">
+        <p14:creationId xmlns:p14="http://schemas.microsoft.com/office/powerpoint/2010/main" val="156229535"/>
+      </p:ext>
+    </p:extLst>
+  </p:cSld>
+  <p:clrMapOvr>
+    <a:masterClrMapping/>
+  </p:clrMapOvr>
+</p:notes>
+</file>
+
+<file path=ppt/notesSlides/notesSlide5.xml><?xml version="1.0" encoding="utf-8"?>
+<p:notes xmlns:a="http://schemas.openxmlformats.org/drawingml/2006/main" xmlns:r="http://schemas.openxmlformats.org/officeDocument/2006/relationships" xmlns:p="http://schemas.openxmlformats.org/presentationml/2006/main">
+  <p:cSld>
+    <p:spTree>
+      <p:nvGrpSpPr>
+        <p:cNvPr id="1" name=""/>
+        <p:cNvGrpSpPr/>
+        <p:nvPr/>
+      </p:nvGrpSpPr>
+      <p:grpSpPr>
+        <a:xfrm>
+          <a:off x="0" y="0"/>
+          <a:ext cx="0" cy="0"/>
+          <a:chOff x="0" y="0"/>
+          <a:chExt cx="0" cy="0"/>
+        </a:xfrm>
+      </p:grpSpPr>
+      <p:sp>
+        <p:nvSpPr>
+          <p:cNvPr id="2" name="Slide Image Placeholder 1"/>
+          <p:cNvSpPr>
+            <a:spLocks noGrp="1" noRot="1" noChangeAspect="1"/>
+          </p:cNvSpPr>
+          <p:nvPr>
+            <p:ph type="sldImg"/>
+          </p:nvPr>
+        </p:nvSpPr>
+        <p:spPr/>
+      </p:sp>
+      <p:sp>
+        <p:nvSpPr>
+          <p:cNvPr id="3" name="Notes Placeholder 2"/>
+          <p:cNvSpPr>
+            <a:spLocks noGrp="1"/>
+          </p:cNvSpPr>
+          <p:nvPr>
+            <p:ph type="body" idx="1"/>
+          </p:nvPr>
+        </p:nvSpPr>
+        <p:spPr/>
+        <p:txBody>
+          <a:bodyPr/>
+          <a:lstStyle/>
+          <a:p>
+            <a:pPr marL="0" marR="0" lvl="0" indent="0" algn="l" defTabSz="914400" rtl="0" eaLnBrk="1" fontAlgn="auto" latinLnBrk="0" hangingPunct="1">
+              <a:lnSpc>
+                <a:spcPct val="100000"/>
+              </a:lnSpc>
+              <a:spcBef>
+                <a:spcPts val="0"/>
+              </a:spcBef>
+              <a:spcAft>
+                <a:spcPts val="0"/>
+              </a:spcAft>
+              <a:buClrTx/>
+              <a:buSzTx/>
+              <a:buFontTx/>
+              <a:buNone/>
+              <a:tabLst/>
+              <a:defRPr/>
+            </a:pPr>
+            <a:r>
+              <a:rPr lang="en-US" dirty="0"/>
+              <a:t>-allow </a:t>
+            </a:r>
+            <a:r>
+              <a:rPr lang="en-US" b="0" i="0" dirty="0">
+                <a:solidFill>
+                  <a:srgbClr val="202124"/>
+                </a:solidFill>
+                <a:effectLst/>
+                <a:latin typeface="Google Sans"/>
+              </a:rPr>
+              <a:t>less secure apps to access your Google Account</a:t>
+            </a:r>
+          </a:p>
+          <a:p>
+            <a:endParaRPr lang="en-US" dirty="0"/>
+          </a:p>
+          <a:p>
+            <a:r>
+              <a:rPr lang="en-US" dirty="0"/>
+              <a:t>-2 working on</a:t>
+            </a:r>
+          </a:p>
+        </p:txBody>
+      </p:sp>
+      <p:sp>
+        <p:nvSpPr>
+          <p:cNvPr id="4" name="Slide Number Placeholder 3"/>
+          <p:cNvSpPr>
+            <a:spLocks noGrp="1"/>
+          </p:cNvSpPr>
+          <p:nvPr>
+            <p:ph type="sldNum" sz="quarter" idx="5"/>
+          </p:nvPr>
+        </p:nvSpPr>
+        <p:spPr/>
+        <p:txBody>
+          <a:bodyPr/>
+          <a:lstStyle/>
+          <a:p>
+            <a:fld id="{CE989B39-9896-4416-8F69-B5D2DF855C70}" type="slidenum">
+              <a:rPr lang="en-US" smtClean="0"/>
+              <a:t>10</a:t>
+            </a:fld>
+            <a:endParaRPr lang="en-US"/>
+          </a:p>
+        </p:txBody>
+      </p:sp>
+    </p:spTree>
+    <p:extLst>
+      <p:ext uri="{BB962C8B-B14F-4D97-AF65-F5344CB8AC3E}">
+        <p14:creationId xmlns:p14="http://schemas.microsoft.com/office/powerpoint/2010/main" val="526337448"/>
+      </p:ext>
+    </p:extLst>
+  </p:cSld>
+  <p:clrMapOvr>
+    <a:masterClrMapping/>
+  </p:clrMapOvr>
+</p:notes>
+</file>
+
+<file path=ppt/notesSlides/notesSlide6.xml><?xml version="1.0" encoding="utf-8"?>
+<p:notes xmlns:a="http://schemas.openxmlformats.org/drawingml/2006/main" xmlns:r="http://schemas.openxmlformats.org/officeDocument/2006/relationships" xmlns:p="http://schemas.openxmlformats.org/presentationml/2006/main">
+  <p:cSld>
+    <p:spTree>
+      <p:nvGrpSpPr>
+        <p:cNvPr id="1" name=""/>
+        <p:cNvGrpSpPr/>
+        <p:nvPr/>
+      </p:nvGrpSpPr>
+      <p:grpSpPr>
+        <a:xfrm>
+          <a:off x="0" y="0"/>
+          <a:ext cx="0" cy="0"/>
+          <a:chOff x="0" y="0"/>
+          <a:chExt cx="0" cy="0"/>
+        </a:xfrm>
+      </p:grpSpPr>
+      <p:sp>
+        <p:nvSpPr>
+          <p:cNvPr id="2" name="Slide Image Placeholder 1"/>
+          <p:cNvSpPr>
+            <a:spLocks noGrp="1" noRot="1" noChangeAspect="1"/>
+          </p:cNvSpPr>
+          <p:nvPr>
+            <p:ph type="sldImg"/>
+          </p:nvPr>
+        </p:nvSpPr>
+        <p:spPr/>
+      </p:sp>
+      <p:sp>
+        <p:nvSpPr>
+          <p:cNvPr id="3" name="Notes Placeholder 2"/>
+          <p:cNvSpPr>
+            <a:spLocks noGrp="1"/>
+          </p:cNvSpPr>
+          <p:nvPr>
+            <p:ph type="body" idx="1"/>
+          </p:nvPr>
+        </p:nvSpPr>
+        <p:spPr/>
+        <p:txBody>
+          <a:bodyPr/>
+          <a:lstStyle/>
+          <a:p>
+            <a:r>
+              <a:rPr lang="en-US" dirty="0"/>
+              <a:t>-here is some general info on how to protect against keyloggers</a:t>
+            </a:r>
+          </a:p>
+          <a:p>
+            <a:endParaRPr lang="en-US" dirty="0"/>
+          </a:p>
+          <a:p>
+            <a:r>
+              <a:rPr lang="en-US" dirty="0"/>
+              <a:t>SW</a:t>
+            </a:r>
+          </a:p>
+          <a:p>
+            <a:r>
+              <a:rPr lang="en-US" dirty="0"/>
+              <a:t>-I noticed that when the keylogger was running, my cursor sometimes disappeared when I typed</a:t>
+            </a:r>
+          </a:p>
+        </p:txBody>
+      </p:sp>
+      <p:sp>
+        <p:nvSpPr>
+          <p:cNvPr id="4" name="Slide Number Placeholder 3"/>
+          <p:cNvSpPr>
+            <a:spLocks noGrp="1"/>
+          </p:cNvSpPr>
+          <p:nvPr>
+            <p:ph type="sldNum" sz="quarter" idx="5"/>
+          </p:nvPr>
+        </p:nvSpPr>
+        <p:spPr/>
+        <p:txBody>
+          <a:bodyPr/>
+          <a:lstStyle/>
+          <a:p>
+            <a:fld id="{CE989B39-9896-4416-8F69-B5D2DF855C70}" type="slidenum">
+              <a:rPr lang="en-US" smtClean="0"/>
+              <a:t>11</a:t>
+            </a:fld>
+            <a:endParaRPr lang="en-US"/>
+          </a:p>
+        </p:txBody>
+      </p:sp>
+    </p:spTree>
+    <p:extLst>
+      <p:ext uri="{BB962C8B-B14F-4D97-AF65-F5344CB8AC3E}">
+        <p14:creationId xmlns:p14="http://schemas.microsoft.com/office/powerpoint/2010/main" val="3581530524"/>
+      </p:ext>
+    </p:extLst>
+  </p:cSld>
+  <p:clrMapOvr>
+    <a:masterClrMapping/>
+  </p:clrMapOvr>
+</p:notes>
+</file>
+
+<file path=ppt/notesSlides/notesSlide7.xml><?xml version="1.0" encoding="utf-8"?>
+<p:notes xmlns:a="http://schemas.openxmlformats.org/drawingml/2006/main" xmlns:r="http://schemas.openxmlformats.org/officeDocument/2006/relationships" xmlns:p="http://schemas.openxmlformats.org/presentationml/2006/main">
+  <p:cSld>
+    <p:spTree>
+      <p:nvGrpSpPr>
+        <p:cNvPr id="1" name=""/>
+        <p:cNvGrpSpPr/>
+        <p:nvPr/>
+      </p:nvGrpSpPr>
+      <p:grpSpPr>
+        <a:xfrm>
+          <a:off x="0" y="0"/>
+          <a:ext cx="0" cy="0"/>
+          <a:chOff x="0" y="0"/>
+          <a:chExt cx="0" cy="0"/>
+        </a:xfrm>
+      </p:grpSpPr>
+      <p:sp>
+        <p:nvSpPr>
+          <p:cNvPr id="2" name="Slide Image Placeholder 1"/>
+          <p:cNvSpPr>
+            <a:spLocks noGrp="1" noRot="1" noChangeAspect="1"/>
+          </p:cNvSpPr>
+          <p:nvPr>
+            <p:ph type="sldImg"/>
+          </p:nvPr>
+        </p:nvSpPr>
+        <p:spPr/>
+      </p:sp>
+      <p:sp>
+        <p:nvSpPr>
+          <p:cNvPr id="3" name="Notes Placeholder 2"/>
+          <p:cNvSpPr>
+            <a:spLocks noGrp="1"/>
+          </p:cNvSpPr>
+          <p:nvPr>
+            <p:ph type="body" idx="1"/>
+          </p:nvPr>
+        </p:nvSpPr>
+        <p:spPr/>
+        <p:txBody>
+          <a:bodyPr/>
+          <a:lstStyle/>
+          <a:p>
+            <a:r>
+              <a:rPr lang="en-US" dirty="0"/>
+              <a:t>Most of this is good cyber hygiene in general.</a:t>
+            </a:r>
+          </a:p>
+          <a:p>
+            <a:endParaRPr lang="en-US" dirty="0"/>
+          </a:p>
+          <a:p>
+            <a:r>
+              <a:rPr lang="en-US" dirty="0"/>
+              <a:t>Use 2FA when available</a:t>
+            </a:r>
+          </a:p>
+          <a:p>
+            <a:endParaRPr lang="en-US" dirty="0"/>
+          </a:p>
+          <a:p>
+            <a:r>
+              <a:rPr lang="en-US" dirty="0"/>
+              <a:t>Anti spyware &amp; malware programs</a:t>
+            </a:r>
+          </a:p>
+          <a:p>
+            <a:r>
+              <a:rPr lang="en-US" dirty="0"/>
+              <a:t>- When I first downloaded the keylogger to work on it more after Lauren had already started it, windows defender detected and removed it</a:t>
+            </a:r>
+          </a:p>
+          <a:p>
+            <a:endParaRPr lang="en-US" dirty="0"/>
+          </a:p>
+          <a:p>
+            <a:pPr marL="0" marR="0" lvl="0" indent="0" algn="l" defTabSz="914400" rtl="0" eaLnBrk="1" fontAlgn="auto" latinLnBrk="0" hangingPunct="1">
+              <a:lnSpc>
+                <a:spcPct val="100000"/>
+              </a:lnSpc>
+              <a:spcBef>
+                <a:spcPts val="0"/>
+              </a:spcBef>
+              <a:spcAft>
+                <a:spcPts val="0"/>
+              </a:spcAft>
+              <a:buClrTx/>
+              <a:buSzTx/>
+              <a:buFontTx/>
+              <a:buNone/>
+              <a:tabLst/>
+              <a:defRPr/>
+            </a:pPr>
+            <a:r>
+              <a:rPr lang="en-US" dirty="0"/>
+              <a:t>Important websites, such as banking sites</a:t>
+            </a:r>
+          </a:p>
+          <a:p>
+            <a:r>
+              <a:rPr lang="en-US" dirty="0"/>
+              <a:t>Virtual keyboard, if you are afraid of a keylogger. Some loggers do not account for virtual keyboards – but some do</a:t>
             </a:r>
           </a:p>
         </p:txBody>
@@ -17759,7 +18571,7 @@
           <a:p>
             <a:fld id="{A13380DB-5CEA-4C6A-826F-36121847154C}" type="datetimeFigureOut">
               <a:rPr lang="en-US" smtClean="0"/>
-              <a:t>4/30/2021</a:t>
+              <a:t>2021-05-04</a:t>
             </a:fld>
             <a:endParaRPr lang="en-US"/>
           </a:p>
@@ -17938,7 +18750,7 @@
           <a:p>
             <a:fld id="{A13380DB-5CEA-4C6A-826F-36121847154C}" type="datetimeFigureOut">
               <a:rPr lang="en-US" smtClean="0"/>
-              <a:t>4/30/2021</a:t>
+              <a:t>2021-05-04</a:t>
             </a:fld>
             <a:endParaRPr lang="en-US"/>
           </a:p>
@@ -18118,7 +18930,7 @@
           <a:p>
             <a:fld id="{A13380DB-5CEA-4C6A-826F-36121847154C}" type="datetimeFigureOut">
               <a:rPr lang="en-US" smtClean="0"/>
-              <a:t>4/30/2021</a:t>
+              <a:t>2021-05-04</a:t>
             </a:fld>
             <a:endParaRPr lang="en-US"/>
           </a:p>
@@ -18288,7 +19100,7 @@
           <a:p>
             <a:fld id="{A13380DB-5CEA-4C6A-826F-36121847154C}" type="datetimeFigureOut">
               <a:rPr lang="en-US" smtClean="0"/>
-              <a:t>4/30/2021</a:t>
+              <a:t>2021-05-04</a:t>
             </a:fld>
             <a:endParaRPr lang="en-US"/>
           </a:p>
@@ -18601,7 +19413,7 @@
           <a:p>
             <a:fld id="{A13380DB-5CEA-4C6A-826F-36121847154C}" type="datetimeFigureOut">
               <a:rPr lang="en-US" smtClean="0"/>
-              <a:t>4/30/2021</a:t>
+              <a:t>2021-05-04</a:t>
             </a:fld>
             <a:endParaRPr lang="en-US"/>
           </a:p>
@@ -18987,7 +19799,7 @@
           <a:p>
             <a:fld id="{A13380DB-5CEA-4C6A-826F-36121847154C}" type="datetimeFigureOut">
               <a:rPr lang="en-US" smtClean="0"/>
-              <a:t>4/30/2021</a:t>
+              <a:t>2021-05-04</a:t>
             </a:fld>
             <a:endParaRPr lang="en-US"/>
           </a:p>
@@ -19421,7 +20233,7 @@
           <a:p>
             <a:fld id="{A13380DB-5CEA-4C6A-826F-36121847154C}" type="datetimeFigureOut">
               <a:rPr lang="en-US" smtClean="0"/>
-              <a:t>4/30/2021</a:t>
+              <a:t>2021-05-04</a:t>
             </a:fld>
             <a:endParaRPr lang="en-US"/>
           </a:p>
@@ -19539,7 +20351,7 @@
           <a:p>
             <a:fld id="{A13380DB-5CEA-4C6A-826F-36121847154C}" type="datetimeFigureOut">
               <a:rPr lang="en-US" smtClean="0"/>
-              <a:t>4/30/2021</a:t>
+              <a:t>2021-05-04</a:t>
             </a:fld>
             <a:endParaRPr lang="en-US"/>
           </a:p>
@@ -19634,7 +20446,7 @@
           <a:p>
             <a:fld id="{A13380DB-5CEA-4C6A-826F-36121847154C}" type="datetimeFigureOut">
               <a:rPr lang="en-US" smtClean="0"/>
-              <a:t>4/30/2021</a:t>
+              <a:t>2021-05-04</a:t>
             </a:fld>
             <a:endParaRPr lang="en-US"/>
           </a:p>
@@ -19984,7 +20796,7 @@
           <a:p>
             <a:fld id="{A13380DB-5CEA-4C6A-826F-36121847154C}" type="datetimeFigureOut">
               <a:rPr lang="en-US" smtClean="0"/>
-              <a:t>4/30/2021</a:t>
+              <a:t>2021-05-04</a:t>
             </a:fld>
             <a:endParaRPr lang="en-US"/>
           </a:p>
@@ -20409,7 +21221,7 @@
           <a:p>
             <a:fld id="{A13380DB-5CEA-4C6A-826F-36121847154C}" type="datetimeFigureOut">
               <a:rPr lang="en-US" smtClean="0"/>
-              <a:t>4/30/2021</a:t>
+              <a:t>2021-05-04</a:t>
             </a:fld>
             <a:endParaRPr lang="en-US"/>
           </a:p>
@@ -20690,7 +21502,7 @@
           <a:p>
             <a:fld id="{A13380DB-5CEA-4C6A-826F-36121847154C}" type="datetimeFigureOut">
               <a:rPr lang="en-US" smtClean="0"/>
-              <a:t>4/30/2021</a:t>
+              <a:t>2021-05-04</a:t>
             </a:fld>
             <a:endParaRPr lang="en-US"/>
           </a:p>
@@ -21427,13 +22239,13 @@
             <a:avLst/>
           </a:prstGeom>
           <a:blipFill dpi="0" rotWithShape="1">
-            <a:blip r:embed="rId2">
+            <a:blip r:embed="rId3">
               <a:alphaModFix amt="85000"/>
               <a:lum bright="70000" contrast="-70000"/>
               <a:extLst>
                 <a:ext uri="{BEBA8EAE-BF5A-486C-A8C5-ECC9F3942E4B}">
                   <a14:imgProps xmlns:a14="http://schemas.microsoft.com/office/drawing/2010/main">
-                    <a14:imgLayer r:embed="rId3">
+                    <a14:imgLayer r:embed="rId4">
                       <a14:imgEffect>
                         <a14:sharpenSoften amount="61000"/>
                       </a14:imgEffect>
@@ -21504,7 +22316,7 @@
         </p:xfrm>
         <a:graphic>
           <a:graphicData uri="http://schemas.openxmlformats.org/drawingml/2006/diagram">
-            <dgm:relIds xmlns:dgm="http://schemas.openxmlformats.org/drawingml/2006/diagram" xmlns:r="http://schemas.openxmlformats.org/officeDocument/2006/relationships" r:dm="rId4" r:lo="rId5" r:qs="rId6" r:cs="rId7"/>
+            <dgm:relIds xmlns:dgm="http://schemas.openxmlformats.org/drawingml/2006/diagram" xmlns:r="http://schemas.openxmlformats.org/officeDocument/2006/relationships" r:dm="rId5" r:lo="rId6" r:qs="rId7" r:cs="rId8"/>
           </a:graphicData>
         </a:graphic>
       </p:graphicFrame>
@@ -21613,13 +22425,13 @@
             <a:avLst/>
           </a:prstGeom>
           <a:blipFill dpi="0" rotWithShape="1">
-            <a:blip r:embed="rId2">
+            <a:blip r:embed="rId3">
               <a:alphaModFix amt="85000"/>
               <a:lum bright="70000" contrast="-70000"/>
               <a:extLst>
                 <a:ext uri="{BEBA8EAE-BF5A-486C-A8C5-ECC9F3942E4B}">
                   <a14:imgProps xmlns:a14="http://schemas.microsoft.com/office/drawing/2010/main">
-                    <a14:imgLayer r:embed="rId3">
+                    <a14:imgLayer r:embed="rId4">
                       <a14:imgEffect>
                         <a14:sharpenSoften amount="61000"/>
                       </a14:imgEffect>
@@ -21690,7 +22502,7 @@
         </p:xfrm>
         <a:graphic>
           <a:graphicData uri="http://schemas.openxmlformats.org/drawingml/2006/diagram">
-            <dgm:relIds xmlns:dgm="http://schemas.openxmlformats.org/drawingml/2006/diagram" xmlns:r="http://schemas.openxmlformats.org/officeDocument/2006/relationships" r:dm="rId4" r:lo="rId5" r:qs="rId6" r:cs="rId7"/>
+            <dgm:relIds xmlns:dgm="http://schemas.openxmlformats.org/drawingml/2006/diagram" xmlns:r="http://schemas.openxmlformats.org/officeDocument/2006/relationships" r:dm="rId5" r:lo="rId6" r:qs="rId7" r:cs="rId8"/>
           </a:graphicData>
         </a:graphic>
       </p:graphicFrame>
@@ -23059,7 +23871,7 @@
             <a:avLst/>
           </a:prstGeom>
           <a:blipFill dpi="0" rotWithShape="1">
-            <a:blip r:embed="rId2">
+            <a:blip r:embed="rId3">
               <a:duotone>
                 <a:schemeClr val="accent1">
                   <a:shade val="45000"/>
@@ -23070,7 +23882,7 @@
               <a:extLst>
                 <a:ext uri="{BEBA8EAE-BF5A-486C-A8C5-ECC9F3942E4B}">
                   <a14:imgProps xmlns:a14="http://schemas.microsoft.com/office/drawing/2010/main">
-                    <a14:imgLayer r:embed="rId3">
+                    <a14:imgLayer r:embed="rId4">
                       <a14:imgEffect>
                         <a14:saturation sat="400000"/>
                       </a14:imgEffect>
@@ -23175,7 +23987,7 @@
           <a:p>
             <a:r>
               <a:rPr lang="en-US" dirty="0" err="1"/>
-              <a:t>Key_logger</a:t>
+              <a:t>key_logger</a:t>
             </a:r>
             <a:r>
               <a:rPr lang="en-US" dirty="0"/>
@@ -23183,7 +23995,7 @@
             </a:r>
             <a:r>
               <a:rPr lang="en-US" dirty="0" err="1"/>
-              <a:t>py</a:t>
+              <a:t>pyw</a:t>
             </a:r>
             <a:r>
               <a:rPr lang="en-US" dirty="0"/>
@@ -23199,7 +24011,7 @@
           <a:p>
             <a:r>
               <a:rPr lang="en-US" dirty="0"/>
-              <a:t>The Key_logger.py runs in the background and periodically sends emails to the keylogger email</a:t>
+              <a:t>The key_logger.py runs in the background and periodically sends emails to the keylogger email</a:t>
             </a:r>
           </a:p>
           <a:p>
@@ -23263,7 +24075,7 @@
             <a:avLst/>
           </a:prstGeom>
           <a:blipFill dpi="0" rotWithShape="1">
-            <a:blip r:embed="rId4">
+            <a:blip r:embed="rId5">
               <a:duotone>
                 <a:schemeClr val="accent1">
                   <a:shade val="45000"/>
@@ -23567,7 +24379,7 @@
           <a:p>
             <a:r>
               <a:rPr lang="en-US" dirty="0"/>
-              <a:t>By changing the Launch options of IE whenever the user clicks on the supplication the keylogger will also be launched</a:t>
+              <a:t>By changing the Launch options of IE whenever the user clicks on the application the keylogger will also be launched</a:t>
             </a:r>
           </a:p>
         </p:txBody>
@@ -23642,7 +24454,7 @@
             <a:avLst/>
           </a:prstGeom>
           <a:blipFill dpi="0" rotWithShape="1">
-            <a:blip r:embed="rId2">
+            <a:blip r:embed="rId3">
               <a:alphaModFix amt="60000"/>
               <a:lum bright="70000" contrast="-70000"/>
               <a:extLst>
@@ -23736,7 +24548,7 @@
           <p:nvPr/>
         </p:nvPicPr>
         <p:blipFill rotWithShape="1">
-          <a:blip r:embed="rId3">
+          <a:blip r:embed="rId4">
             <a:extLst>
               <a:ext uri="{28A0092B-C50C-407E-A947-70E740481C1C}">
                 <a14:useLocalDpi xmlns:a14="http://schemas.microsoft.com/office/drawing/2010/main" val="0"/>
@@ -23925,7 +24737,7 @@
               <a:avLst/>
             </a:prstGeom>
             <a:blipFill dpi="0" rotWithShape="1">
-              <a:blip r:embed="rId4">
+              <a:blip r:embed="rId5">
                 <a:duotone>
                   <a:schemeClr val="accent1">
                     <a:shade val="45000"/>
@@ -24188,13 +25000,13 @@
             <a:avLst/>
           </a:prstGeom>
           <a:blipFill dpi="0" rotWithShape="1">
-            <a:blip r:embed="rId2">
+            <a:blip r:embed="rId3">
               <a:alphaModFix amt="85000"/>
               <a:lum bright="70000" contrast="-70000"/>
               <a:extLst>
                 <a:ext uri="{BEBA8EAE-BF5A-486C-A8C5-ECC9F3942E4B}">
                   <a14:imgProps xmlns:a14="http://schemas.microsoft.com/office/drawing/2010/main">
-                    <a14:imgLayer r:embed="rId3">
+                    <a14:imgLayer r:embed="rId4">
                       <a14:imgEffect>
                         <a14:sharpenSoften amount="61000"/>
                       </a14:imgEffect>
@@ -24262,13 +25074,13 @@
             <a:avLst/>
           </a:prstGeom>
           <a:blipFill dpi="0" rotWithShape="1">
-            <a:blip r:embed="rId2">
+            <a:blip r:embed="rId3">
               <a:alphaModFix amt="85000"/>
               <a:lum bright="70000" contrast="-70000"/>
               <a:extLst>
                 <a:ext uri="{BEBA8EAE-BF5A-486C-A8C5-ECC9F3942E4B}">
                   <a14:imgProps xmlns:a14="http://schemas.microsoft.com/office/drawing/2010/main">
-                    <a14:imgLayer r:embed="rId3">
+                    <a14:imgLayer r:embed="rId4">
                       <a14:imgEffect>
                         <a14:sharpenSoften amount="61000"/>
                       </a14:imgEffect>
@@ -24336,13 +25148,13 @@
             <a:avLst/>
           </a:prstGeom>
           <a:blipFill dpi="0" rotWithShape="1">
-            <a:blip r:embed="rId2">
+            <a:blip r:embed="rId3">
               <a:alphaModFix amt="85000"/>
               <a:lum bright="70000" contrast="-70000"/>
               <a:extLst>
                 <a:ext uri="{BEBA8EAE-BF5A-486C-A8C5-ECC9F3942E4B}">
                   <a14:imgProps xmlns:a14="http://schemas.microsoft.com/office/drawing/2010/main">
-                    <a14:imgLayer r:embed="rId3">
+                    <a14:imgLayer r:embed="rId4">
                       <a14:imgEffect>
                         <a14:sharpenSoften amount="61000"/>
                       </a14:imgEffect>
@@ -24429,7 +25241,7 @@
           <p:nvPr/>
         </p:nvPicPr>
         <p:blipFill rotWithShape="1">
-          <a:blip r:embed="rId4">
+          <a:blip r:embed="rId5">
             <a:extLst>
               <a:ext uri="{28A0092B-C50C-407E-A947-70E740481C1C}">
                 <a14:useLocalDpi xmlns:a14="http://schemas.microsoft.com/office/drawing/2010/main" val="0"/>
@@ -24479,13 +25291,16 @@
           <a:p>
             <a:r>
               <a:rPr lang="en-US" dirty="0"/>
-              <a:t>This Code sends the email to our created logger </a:t>
+              <a:t>This code sends the email to our </a:t>
             </a:r>
             <a:r>
               <a:rPr lang="en-US" dirty="0" err="1"/>
               <a:t>gmail</a:t>
             </a:r>
-            <a:endParaRPr lang="en-US" dirty="0"/>
+            <a:r>
+              <a:rPr lang="en-US" dirty="0"/>
+              <a:t> created for logger</a:t>
+            </a:r>
           </a:p>
           <a:p>
             <a:r>
@@ -24572,7 +25387,7 @@
             <a:avLst/>
           </a:prstGeom>
           <a:blipFill dpi="0" rotWithShape="1">
-            <a:blip r:embed="rId5">
+            <a:blip r:embed="rId6">
               <a:duotone>
                 <a:schemeClr val="accent1">
                   <a:shade val="45000"/>
@@ -24751,7 +25566,7 @@
           <p:nvPr/>
         </p:nvPicPr>
         <p:blipFill>
-          <a:blip r:embed="rId2">
+          <a:blip r:embed="rId3">
             <a:extLst>
               <a:ext uri="{28A0092B-C50C-407E-A947-70E740481C1C}">
                 <a14:useLocalDpi xmlns:a14="http://schemas.microsoft.com/office/drawing/2010/main" val="0"/>
@@ -24789,7 +25604,7 @@
           </p:nvPr>
         </p:nvPicPr>
         <p:blipFill>
-          <a:blip r:embed="rId3">
+          <a:blip r:embed="rId4">
             <a:extLst>
               <a:ext uri="{28A0092B-C50C-407E-A947-70E740481C1C}">
                 <a14:useLocalDpi xmlns:a14="http://schemas.microsoft.com/office/drawing/2010/main" val="0"/>
